--- a/doc/ppt/Energie2013Presentaiton1.pptx
+++ b/doc/ppt/Energie2013Presentaiton1.pptx
@@ -5,14 +5,15 @@
     <p:sldMasterId id="2147483648" r:id="rId1"/>
   </p:sldMasterIdLst>
   <p:notesMasterIdLst>
-    <p:notesMasterId r:id="rId7"/>
+    <p:notesMasterId r:id="rId8"/>
   </p:notesMasterIdLst>
   <p:sldIdLst>
     <p:sldId id="256" r:id="rId2"/>
     <p:sldId id="264" r:id="rId3"/>
     <p:sldId id="268" r:id="rId4"/>
-    <p:sldId id="265" r:id="rId5"/>
-    <p:sldId id="267" r:id="rId6"/>
+    <p:sldId id="270" r:id="rId5"/>
+    <p:sldId id="265" r:id="rId6"/>
+    <p:sldId id="267" r:id="rId7"/>
   </p:sldIdLst>
   <p:sldSz cx="9144000" cy="6858000" type="screen4x3"/>
   <p:notesSz cx="6858000" cy="9144000"/>
@@ -197,7 +198,7 @@
             <a:fld id="{20C76368-013A-42E6-A507-978DD3816FDA}" type="datetimeFigureOut">
               <a:rPr lang="nl-NL" smtClean="0"/>
               <a:pPr/>
-              <a:t>3-10-2013</a:t>
+              <a:t>4-10-2013</a:t>
             </a:fld>
             <a:endParaRPr lang="nl-NL"/>
           </a:p>
@@ -463,6 +464,805 @@
 </p:notesMaster>
 </file>
 
+<file path=ppt/notesSlides/notesSlide1.xml><?xml version="1.0" encoding="utf-8"?>
+<p:notes xmlns:a="http://schemas.openxmlformats.org/drawingml/2006/main" xmlns:r="http://schemas.openxmlformats.org/officeDocument/2006/relationships" xmlns:p="http://schemas.openxmlformats.org/presentationml/2006/main">
+  <p:cSld>
+    <p:spTree>
+      <p:nvGrpSpPr>
+        <p:cNvPr id="1" name=""/>
+        <p:cNvGrpSpPr/>
+        <p:nvPr/>
+      </p:nvGrpSpPr>
+      <p:grpSpPr>
+        <a:xfrm>
+          <a:off x="0" y="0"/>
+          <a:ext cx="0" cy="0"/>
+          <a:chOff x="0" y="0"/>
+          <a:chExt cx="0" cy="0"/>
+        </a:xfrm>
+      </p:grpSpPr>
+      <p:sp>
+        <p:nvSpPr>
+          <p:cNvPr id="2" name="Tijdelijke aanduiding voor dia-afbeelding 1"/>
+          <p:cNvSpPr>
+            <a:spLocks noGrp="1" noRot="1" noChangeAspect="1"/>
+          </p:cNvSpPr>
+          <p:nvPr>
+            <p:ph type="sldImg"/>
+          </p:nvPr>
+        </p:nvSpPr>
+        <p:spPr/>
+      </p:sp>
+      <p:sp>
+        <p:nvSpPr>
+          <p:cNvPr id="3" name="Tijdelijke aanduiding voor notities 2"/>
+          <p:cNvSpPr>
+            <a:spLocks noGrp="1"/>
+          </p:cNvSpPr>
+          <p:nvPr>
+            <p:ph type="body" idx="1"/>
+          </p:nvPr>
+        </p:nvSpPr>
+        <p:spPr/>
+        <p:txBody>
+          <a:bodyPr>
+            <a:normAutofit/>
+          </a:bodyPr>
+          <a:lstStyle/>
+          <a:p>
+            <a:r>
+              <a:rPr lang="en-US" dirty="0" smtClean="0"/>
+              <a:t>Say hi</a:t>
+            </a:r>
+            <a:r>
+              <a:rPr lang="en-US" baseline="0" dirty="0" smtClean="0"/>
+              <a:t> I’m Dorus</a:t>
+            </a:r>
+          </a:p>
+          <a:p>
+            <a:r>
+              <a:rPr lang="en-US" dirty="0" smtClean="0"/>
+              <a:t>Name project</a:t>
+            </a:r>
+            <a:endParaRPr lang="en-US" dirty="0"/>
+          </a:p>
+        </p:txBody>
+      </p:sp>
+      <p:sp>
+        <p:nvSpPr>
+          <p:cNvPr id="4" name="Tijdelijke aanduiding voor dianummer 3"/>
+          <p:cNvSpPr>
+            <a:spLocks noGrp="1"/>
+          </p:cNvSpPr>
+          <p:nvPr>
+            <p:ph type="sldNum" sz="quarter" idx="10"/>
+          </p:nvPr>
+        </p:nvSpPr>
+        <p:spPr/>
+        <p:txBody>
+          <a:bodyPr/>
+          <a:lstStyle/>
+          <a:p>
+            <a:fld id="{2491F333-88E5-4BFC-924F-D4DB9CE7E648}" type="slidenum">
+              <a:rPr lang="nl-NL" smtClean="0"/>
+              <a:pPr/>
+              <a:t>1</a:t>
+            </a:fld>
+            <a:endParaRPr lang="nl-NL"/>
+          </a:p>
+        </p:txBody>
+      </p:sp>
+    </p:spTree>
+  </p:cSld>
+  <p:clrMapOvr>
+    <a:masterClrMapping/>
+  </p:clrMapOvr>
+</p:notes>
+</file>
+
+<file path=ppt/notesSlides/notesSlide2.xml><?xml version="1.0" encoding="utf-8"?>
+<p:notes xmlns:a="http://schemas.openxmlformats.org/drawingml/2006/main" xmlns:r="http://schemas.openxmlformats.org/officeDocument/2006/relationships" xmlns:p="http://schemas.openxmlformats.org/presentationml/2006/main">
+  <p:cSld>
+    <p:spTree>
+      <p:nvGrpSpPr>
+        <p:cNvPr id="1" name=""/>
+        <p:cNvGrpSpPr/>
+        <p:nvPr/>
+      </p:nvGrpSpPr>
+      <p:grpSpPr>
+        <a:xfrm>
+          <a:off x="0" y="0"/>
+          <a:ext cx="0" cy="0"/>
+          <a:chOff x="0" y="0"/>
+          <a:chExt cx="0" cy="0"/>
+        </a:xfrm>
+      </p:grpSpPr>
+      <p:sp>
+        <p:nvSpPr>
+          <p:cNvPr id="2" name="Tijdelijke aanduiding voor dia-afbeelding 1"/>
+          <p:cNvSpPr>
+            <a:spLocks noGrp="1" noRot="1" noChangeAspect="1"/>
+          </p:cNvSpPr>
+          <p:nvPr>
+            <p:ph type="sldImg"/>
+          </p:nvPr>
+        </p:nvSpPr>
+        <p:spPr/>
+      </p:sp>
+      <p:sp>
+        <p:nvSpPr>
+          <p:cNvPr id="3" name="Tijdelijke aanduiding voor notities 2"/>
+          <p:cNvSpPr>
+            <a:spLocks noGrp="1"/>
+          </p:cNvSpPr>
+          <p:nvPr>
+            <p:ph type="body" idx="1"/>
+          </p:nvPr>
+        </p:nvSpPr>
+        <p:spPr/>
+        <p:txBody>
+          <a:bodyPr>
+            <a:normAutofit/>
+          </a:bodyPr>
+          <a:lstStyle/>
+          <a:p>
+            <a:r>
+              <a:rPr lang="en-US" dirty="0" smtClean="0"/>
+              <a:t>Energy analysis</a:t>
+            </a:r>
+          </a:p>
+          <a:p>
+            <a:r>
+              <a:rPr lang="en-US" dirty="0" smtClean="0"/>
+              <a:t>Different then complexity analyze</a:t>
+            </a:r>
+          </a:p>
+          <a:p>
+            <a:pPr marL="0" marR="0" indent="0" algn="l" defTabSz="914400" rtl="0" eaLnBrk="1" fontAlgn="auto" latinLnBrk="0" hangingPunct="1">
+              <a:lnSpc>
+                <a:spcPct val="100000"/>
+              </a:lnSpc>
+              <a:spcBef>
+                <a:spcPts val="0"/>
+              </a:spcBef>
+              <a:spcAft>
+                <a:spcPts val="0"/>
+              </a:spcAft>
+              <a:buClrTx/>
+              <a:buSzTx/>
+              <a:buFontTx/>
+              <a:buNone/>
+              <a:tabLst/>
+              <a:defRPr/>
+            </a:pPr>
+            <a:r>
+              <a:rPr lang="en-US" dirty="0" smtClean="0"/>
+              <a:t>Assumes complexity</a:t>
+            </a:r>
+            <a:r>
+              <a:rPr lang="en-US" baseline="0" dirty="0" smtClean="0"/>
+              <a:t> analyze is already done</a:t>
+            </a:r>
+          </a:p>
+          <a:p>
+            <a:pPr marL="0" marR="0" indent="0" algn="l" defTabSz="914400" rtl="0" eaLnBrk="1" fontAlgn="auto" latinLnBrk="0" hangingPunct="1">
+              <a:lnSpc>
+                <a:spcPct val="100000"/>
+              </a:lnSpc>
+              <a:spcBef>
+                <a:spcPts val="0"/>
+              </a:spcBef>
+              <a:spcAft>
+                <a:spcPts val="0"/>
+              </a:spcAft>
+              <a:buClrTx/>
+              <a:buSzTx/>
+              <a:buFontTx/>
+              <a:buNone/>
+              <a:tabLst/>
+              <a:defRPr/>
+            </a:pPr>
+            <a:r>
+              <a:rPr lang="en-US" baseline="0" dirty="0" smtClean="0"/>
+              <a:t>	(</a:t>
+            </a:r>
+            <a:r>
+              <a:rPr lang="en-US" dirty="0" smtClean="0"/>
+              <a:t>Ranking function to simplify</a:t>
+            </a:r>
+            <a:r>
+              <a:rPr lang="en-US" baseline="0" dirty="0" smtClean="0"/>
+              <a:t> analyze</a:t>
+            </a:r>
+            <a:r>
+              <a:rPr lang="en-US" baseline="0" dirty="0" smtClean="0"/>
+              <a:t>)</a:t>
+            </a:r>
+            <a:endParaRPr lang="en-US" dirty="0" smtClean="0"/>
+          </a:p>
+          <a:p>
+            <a:r>
+              <a:rPr lang="en-US" dirty="0" smtClean="0"/>
+              <a:t>Simple</a:t>
+            </a:r>
+            <a:r>
+              <a:rPr lang="en-US" baseline="0" dirty="0" smtClean="0"/>
+              <a:t> programming langue</a:t>
+            </a:r>
+            <a:endParaRPr lang="en-US" dirty="0" smtClean="0"/>
+          </a:p>
+          <a:p>
+            <a:r>
+              <a:rPr lang="en-US" dirty="0" smtClean="0"/>
+              <a:t>Find</a:t>
+            </a:r>
+            <a:r>
+              <a:rPr lang="en-US" baseline="0" dirty="0" smtClean="0"/>
+              <a:t> upped bound usage</a:t>
+            </a:r>
+            <a:endParaRPr lang="en-US" dirty="0" smtClean="0"/>
+          </a:p>
+          <a:p>
+            <a:r>
+              <a:rPr lang="en-US" baseline="0" dirty="0" smtClean="0"/>
+              <a:t>Component model for hardware energy usage.</a:t>
+            </a:r>
+            <a:endParaRPr lang="en-US" dirty="0"/>
+          </a:p>
+        </p:txBody>
+      </p:sp>
+      <p:sp>
+        <p:nvSpPr>
+          <p:cNvPr id="4" name="Tijdelijke aanduiding voor dianummer 3"/>
+          <p:cNvSpPr>
+            <a:spLocks noGrp="1"/>
+          </p:cNvSpPr>
+          <p:nvPr>
+            <p:ph type="sldNum" sz="quarter" idx="10"/>
+          </p:nvPr>
+        </p:nvSpPr>
+        <p:spPr/>
+        <p:txBody>
+          <a:bodyPr/>
+          <a:lstStyle/>
+          <a:p>
+            <a:fld id="{2491F333-88E5-4BFC-924F-D4DB9CE7E648}" type="slidenum">
+              <a:rPr lang="nl-NL" smtClean="0"/>
+              <a:pPr/>
+              <a:t>2</a:t>
+            </a:fld>
+            <a:endParaRPr lang="nl-NL"/>
+          </a:p>
+        </p:txBody>
+      </p:sp>
+    </p:spTree>
+  </p:cSld>
+  <p:clrMapOvr>
+    <a:masterClrMapping/>
+  </p:clrMapOvr>
+</p:notes>
+</file>
+
+<file path=ppt/notesSlides/notesSlide3.xml><?xml version="1.0" encoding="utf-8"?>
+<p:notes xmlns:a="http://schemas.openxmlformats.org/drawingml/2006/main" xmlns:r="http://schemas.openxmlformats.org/officeDocument/2006/relationships" xmlns:p="http://schemas.openxmlformats.org/presentationml/2006/main">
+  <p:cSld>
+    <p:spTree>
+      <p:nvGrpSpPr>
+        <p:cNvPr id="1" name=""/>
+        <p:cNvGrpSpPr/>
+        <p:nvPr/>
+      </p:nvGrpSpPr>
+      <p:grpSpPr>
+        <a:xfrm>
+          <a:off x="0" y="0"/>
+          <a:ext cx="0" cy="0"/>
+          <a:chOff x="0" y="0"/>
+          <a:chExt cx="0" cy="0"/>
+        </a:xfrm>
+      </p:grpSpPr>
+      <p:sp>
+        <p:nvSpPr>
+          <p:cNvPr id="2" name="Tijdelijke aanduiding voor dia-afbeelding 1"/>
+          <p:cNvSpPr>
+            <a:spLocks noGrp="1" noRot="1" noChangeAspect="1"/>
+          </p:cNvSpPr>
+          <p:nvPr>
+            <p:ph type="sldImg"/>
+          </p:nvPr>
+        </p:nvSpPr>
+        <p:spPr/>
+      </p:sp>
+      <p:sp>
+        <p:nvSpPr>
+          <p:cNvPr id="3" name="Tijdelijke aanduiding voor notities 2"/>
+          <p:cNvSpPr>
+            <a:spLocks noGrp="1"/>
+          </p:cNvSpPr>
+          <p:nvPr>
+            <p:ph type="body" idx="1"/>
+          </p:nvPr>
+        </p:nvSpPr>
+        <p:spPr/>
+        <p:txBody>
+          <a:bodyPr>
+            <a:normAutofit/>
+          </a:bodyPr>
+          <a:lstStyle/>
+          <a:p>
+            <a:r>
+              <a:rPr lang="en-US" dirty="0" smtClean="0"/>
+              <a:t>Example</a:t>
+            </a:r>
+          </a:p>
+          <a:p>
+            <a:r>
+              <a:rPr lang="en-US" dirty="0" smtClean="0"/>
+              <a:t>Global</a:t>
+            </a:r>
+            <a:r>
+              <a:rPr lang="en-US" baseline="0" dirty="0" smtClean="0"/>
+              <a:t> state with time and energy used</a:t>
+            </a:r>
+            <a:endParaRPr lang="en-US" dirty="0" smtClean="0"/>
+          </a:p>
+          <a:p>
+            <a:r>
+              <a:rPr lang="en-US" dirty="0" smtClean="0"/>
+              <a:t>Tell what component model</a:t>
+            </a:r>
+            <a:r>
+              <a:rPr lang="en-US" baseline="0" dirty="0" smtClean="0"/>
+              <a:t> does</a:t>
+            </a:r>
+          </a:p>
+          <a:p>
+            <a:r>
+              <a:rPr lang="en-US" baseline="0" dirty="0" smtClean="0"/>
+              <a:t>	Component has a state</a:t>
+            </a:r>
+          </a:p>
+          <a:p>
+            <a:r>
+              <a:rPr lang="en-US" baseline="0" dirty="0" smtClean="0"/>
+              <a:t>	</a:t>
+            </a:r>
+            <a:r>
+              <a:rPr lang="en-US" baseline="0" dirty="0" err="1" smtClean="0"/>
+              <a:t>radio.on</a:t>
+            </a:r>
+            <a:r>
+              <a:rPr lang="en-US" baseline="0" dirty="0" smtClean="0"/>
+              <a:t>() changes state</a:t>
+            </a:r>
+          </a:p>
+          <a:p>
+            <a:r>
+              <a:rPr lang="en-US" baseline="0" dirty="0" smtClean="0"/>
+              <a:t>Radio is on all the time. Can we do better?</a:t>
+            </a:r>
+            <a:endParaRPr lang="en-US" dirty="0" smtClean="0"/>
+          </a:p>
+        </p:txBody>
+      </p:sp>
+      <p:sp>
+        <p:nvSpPr>
+          <p:cNvPr id="4" name="Tijdelijke aanduiding voor dianummer 3"/>
+          <p:cNvSpPr>
+            <a:spLocks noGrp="1"/>
+          </p:cNvSpPr>
+          <p:nvPr>
+            <p:ph type="sldNum" sz="quarter" idx="10"/>
+          </p:nvPr>
+        </p:nvSpPr>
+        <p:spPr/>
+        <p:txBody>
+          <a:bodyPr/>
+          <a:lstStyle/>
+          <a:p>
+            <a:fld id="{2491F333-88E5-4BFC-924F-D4DB9CE7E648}" type="slidenum">
+              <a:rPr lang="nl-NL" smtClean="0"/>
+              <a:pPr/>
+              <a:t>3</a:t>
+            </a:fld>
+            <a:endParaRPr lang="nl-NL"/>
+          </a:p>
+        </p:txBody>
+      </p:sp>
+    </p:spTree>
+  </p:cSld>
+  <p:clrMapOvr>
+    <a:masterClrMapping/>
+  </p:clrMapOvr>
+</p:notes>
+</file>
+
+<file path=ppt/notesSlides/notesSlide4.xml><?xml version="1.0" encoding="utf-8"?>
+<p:notes xmlns:a="http://schemas.openxmlformats.org/drawingml/2006/main" xmlns:r="http://schemas.openxmlformats.org/officeDocument/2006/relationships" xmlns:p="http://schemas.openxmlformats.org/presentationml/2006/main">
+  <p:cSld>
+    <p:spTree>
+      <p:nvGrpSpPr>
+        <p:cNvPr id="1" name=""/>
+        <p:cNvGrpSpPr/>
+        <p:nvPr/>
+      </p:nvGrpSpPr>
+      <p:grpSpPr>
+        <a:xfrm>
+          <a:off x="0" y="0"/>
+          <a:ext cx="0" cy="0"/>
+          <a:chOff x="0" y="0"/>
+          <a:chExt cx="0" cy="0"/>
+        </a:xfrm>
+      </p:grpSpPr>
+      <p:sp>
+        <p:nvSpPr>
+          <p:cNvPr id="2" name="Tijdelijke aanduiding voor dia-afbeelding 1"/>
+          <p:cNvSpPr>
+            <a:spLocks noGrp="1" noRot="1" noChangeAspect="1"/>
+          </p:cNvSpPr>
+          <p:nvPr>
+            <p:ph type="sldImg"/>
+          </p:nvPr>
+        </p:nvSpPr>
+        <p:spPr/>
+      </p:sp>
+      <p:sp>
+        <p:nvSpPr>
+          <p:cNvPr id="3" name="Tijdelijke aanduiding voor notities 2"/>
+          <p:cNvSpPr>
+            <a:spLocks noGrp="1"/>
+          </p:cNvSpPr>
+          <p:nvPr>
+            <p:ph type="body" idx="1"/>
+          </p:nvPr>
+        </p:nvSpPr>
+        <p:spPr/>
+        <p:txBody>
+          <a:bodyPr>
+            <a:normAutofit/>
+          </a:bodyPr>
+          <a:lstStyle/>
+          <a:p>
+            <a:r>
+              <a:rPr lang="en-US" dirty="0" smtClean="0"/>
+              <a:t>Radio isn’t on as long.</a:t>
+            </a:r>
+          </a:p>
+          <a:p>
+            <a:r>
+              <a:rPr lang="en-US" dirty="0" smtClean="0"/>
+              <a:t>But, doesn’t have to be better,</a:t>
+            </a:r>
+            <a:r>
+              <a:rPr lang="en-US" baseline="0" dirty="0" smtClean="0"/>
+              <a:t> turning on and off cost </a:t>
+            </a:r>
+            <a:r>
+              <a:rPr lang="en-US" baseline="0" dirty="0" err="1" smtClean="0"/>
+              <a:t>energie</a:t>
+            </a:r>
+            <a:r>
+              <a:rPr lang="en-US" baseline="0" dirty="0" smtClean="0"/>
+              <a:t>. </a:t>
+            </a:r>
+            <a:r>
+              <a:rPr lang="en-US" baseline="0" dirty="0" err="1" smtClean="0"/>
+              <a:t>Analyse</a:t>
+            </a:r>
+            <a:r>
+              <a:rPr lang="en-US" baseline="0" dirty="0" smtClean="0"/>
+              <a:t>!</a:t>
+            </a:r>
+          </a:p>
+          <a:p>
+            <a:r>
+              <a:rPr lang="en-US" baseline="0" dirty="0" smtClean="0"/>
+              <a:t>Possible to do even better? Queue 10 results and send at once.</a:t>
+            </a:r>
+            <a:endParaRPr lang="en-US" dirty="0"/>
+          </a:p>
+        </p:txBody>
+      </p:sp>
+      <p:sp>
+        <p:nvSpPr>
+          <p:cNvPr id="4" name="Tijdelijke aanduiding voor dianummer 3"/>
+          <p:cNvSpPr>
+            <a:spLocks noGrp="1"/>
+          </p:cNvSpPr>
+          <p:nvPr>
+            <p:ph type="sldNum" sz="quarter" idx="10"/>
+          </p:nvPr>
+        </p:nvSpPr>
+        <p:spPr/>
+        <p:txBody>
+          <a:bodyPr/>
+          <a:lstStyle/>
+          <a:p>
+            <a:fld id="{2491F333-88E5-4BFC-924F-D4DB9CE7E648}" type="slidenum">
+              <a:rPr lang="nl-NL" smtClean="0"/>
+              <a:pPr/>
+              <a:t>4</a:t>
+            </a:fld>
+            <a:endParaRPr lang="nl-NL"/>
+          </a:p>
+        </p:txBody>
+      </p:sp>
+    </p:spTree>
+  </p:cSld>
+  <p:clrMapOvr>
+    <a:masterClrMapping/>
+  </p:clrMapOvr>
+</p:notes>
+</file>
+
+<file path=ppt/notesSlides/notesSlide5.xml><?xml version="1.0" encoding="utf-8"?>
+<p:notes xmlns:a="http://schemas.openxmlformats.org/drawingml/2006/main" xmlns:r="http://schemas.openxmlformats.org/officeDocument/2006/relationships" xmlns:p="http://schemas.openxmlformats.org/presentationml/2006/main">
+  <p:cSld>
+    <p:spTree>
+      <p:nvGrpSpPr>
+        <p:cNvPr id="1" name=""/>
+        <p:cNvGrpSpPr/>
+        <p:nvPr/>
+      </p:nvGrpSpPr>
+      <p:grpSpPr>
+        <a:xfrm>
+          <a:off x="0" y="0"/>
+          <a:ext cx="0" cy="0"/>
+          <a:chOff x="0" y="0"/>
+          <a:chExt cx="0" cy="0"/>
+        </a:xfrm>
+      </p:grpSpPr>
+      <p:sp>
+        <p:nvSpPr>
+          <p:cNvPr id="2" name="Tijdelijke aanduiding voor dia-afbeelding 1"/>
+          <p:cNvSpPr>
+            <a:spLocks noGrp="1" noRot="1" noChangeAspect="1"/>
+          </p:cNvSpPr>
+          <p:nvPr>
+            <p:ph type="sldImg"/>
+          </p:nvPr>
+        </p:nvSpPr>
+        <p:spPr/>
+      </p:sp>
+      <p:sp>
+        <p:nvSpPr>
+          <p:cNvPr id="3" name="Tijdelijke aanduiding voor notities 2"/>
+          <p:cNvSpPr>
+            <a:spLocks noGrp="1"/>
+          </p:cNvSpPr>
+          <p:nvPr>
+            <p:ph type="body" idx="1"/>
+          </p:nvPr>
+        </p:nvSpPr>
+        <p:spPr/>
+        <p:txBody>
+          <a:bodyPr>
+            <a:normAutofit/>
+          </a:bodyPr>
+          <a:lstStyle/>
+          <a:p>
+            <a:r>
+              <a:rPr lang="en-US" dirty="0" smtClean="0"/>
+              <a:t>Wont</a:t>
+            </a:r>
+            <a:r>
+              <a:rPr lang="en-US" baseline="0" dirty="0" smtClean="0"/>
+              <a:t> follow a read-made agile method like Scrum.</a:t>
+            </a:r>
+          </a:p>
+          <a:p>
+            <a:r>
+              <a:rPr lang="en-US" baseline="0" dirty="0" smtClean="0"/>
+              <a:t>Do introduce some methods and practices.</a:t>
+            </a:r>
+          </a:p>
+          <a:p>
+            <a:r>
+              <a:rPr lang="en-US" baseline="0" dirty="0" smtClean="0"/>
+              <a:t>Possible with small and experienced team.</a:t>
+            </a:r>
+          </a:p>
+          <a:p>
+            <a:r>
+              <a:rPr lang="en-US" baseline="0" dirty="0" smtClean="0"/>
+              <a:t>Minimize overhead</a:t>
+            </a:r>
+          </a:p>
+          <a:p>
+            <a:endParaRPr lang="en-US" baseline="0" dirty="0" smtClean="0"/>
+          </a:p>
+          <a:p>
+            <a:r>
+              <a:rPr lang="en-US" baseline="0" dirty="0" smtClean="0"/>
+              <a:t>Paper still changing (moving target)</a:t>
+            </a:r>
+          </a:p>
+          <a:p>
+            <a:r>
+              <a:rPr lang="en-US" baseline="0" dirty="0" smtClean="0"/>
+              <a:t>Planning set for next milestone, rest planned but open for changes. Extra time at end planned.</a:t>
+            </a:r>
+          </a:p>
+          <a:p>
+            <a:r>
+              <a:rPr lang="en-US" baseline="0" dirty="0" smtClean="0"/>
+              <a:t>Meeting with researcher every 2 weeks.</a:t>
+            </a:r>
+          </a:p>
+          <a:p>
+            <a:r>
+              <a:rPr lang="en-US" baseline="0" dirty="0" smtClean="0"/>
+              <a:t>	Lots of things change each time</a:t>
+            </a:r>
+          </a:p>
+          <a:p>
+            <a:r>
+              <a:rPr lang="en-US" baseline="0" dirty="0" smtClean="0"/>
+              <a:t>Couldn’t implement some functions -&gt; error in paper, type system changed in Hoare logic. (They already knew about it but we found it independent)</a:t>
+            </a:r>
+          </a:p>
+          <a:p>
+            <a:endParaRPr lang="en-US" baseline="0" dirty="0" smtClean="0"/>
+          </a:p>
+          <a:p>
+            <a:r>
+              <a:rPr lang="en-US" baseline="0" dirty="0" smtClean="0"/>
+              <a:t>Practices</a:t>
+            </a:r>
+          </a:p>
+          <a:p>
+            <a:r>
+              <a:rPr lang="en-US" baseline="0" dirty="0" smtClean="0"/>
+              <a:t>Programming in pairs</a:t>
+            </a:r>
+          </a:p>
+          <a:p>
+            <a:r>
+              <a:rPr lang="en-US" baseline="0" dirty="0" err="1" smtClean="0"/>
+              <a:t>Git</a:t>
+            </a:r>
+            <a:r>
+              <a:rPr lang="en-US" baseline="0" dirty="0" smtClean="0"/>
+              <a:t> version control</a:t>
+            </a:r>
+          </a:p>
+          <a:p>
+            <a:r>
+              <a:rPr lang="en-US" baseline="0" dirty="0" smtClean="0"/>
+              <a:t>Deliverables per milestone functional packages</a:t>
+            </a:r>
+          </a:p>
+          <a:p>
+            <a:r>
+              <a:rPr lang="en-US" baseline="0" dirty="0" smtClean="0"/>
+              <a:t>Automatic test cases</a:t>
+            </a:r>
+          </a:p>
+          <a:p>
+            <a:endParaRPr lang="en-US" baseline="0" dirty="0" smtClean="0"/>
+          </a:p>
+          <a:p>
+            <a:endParaRPr lang="en-US" baseline="0" dirty="0" smtClean="0"/>
+          </a:p>
+        </p:txBody>
+      </p:sp>
+      <p:sp>
+        <p:nvSpPr>
+          <p:cNvPr id="4" name="Tijdelijke aanduiding voor dianummer 3"/>
+          <p:cNvSpPr>
+            <a:spLocks noGrp="1"/>
+          </p:cNvSpPr>
+          <p:nvPr>
+            <p:ph type="sldNum" sz="quarter" idx="10"/>
+          </p:nvPr>
+        </p:nvSpPr>
+        <p:spPr/>
+        <p:txBody>
+          <a:bodyPr/>
+          <a:lstStyle/>
+          <a:p>
+            <a:fld id="{2491F333-88E5-4BFC-924F-D4DB9CE7E648}" type="slidenum">
+              <a:rPr lang="nl-NL" smtClean="0"/>
+              <a:pPr/>
+              <a:t>5</a:t>
+            </a:fld>
+            <a:endParaRPr lang="nl-NL"/>
+          </a:p>
+        </p:txBody>
+      </p:sp>
+    </p:spTree>
+  </p:cSld>
+  <p:clrMapOvr>
+    <a:masterClrMapping/>
+  </p:clrMapOvr>
+</p:notes>
+</file>
+
+<file path=ppt/notesSlides/notesSlide6.xml><?xml version="1.0" encoding="utf-8"?>
+<p:notes xmlns:a="http://schemas.openxmlformats.org/drawingml/2006/main" xmlns:r="http://schemas.openxmlformats.org/officeDocument/2006/relationships" xmlns:p="http://schemas.openxmlformats.org/presentationml/2006/main">
+  <p:cSld>
+    <p:spTree>
+      <p:nvGrpSpPr>
+        <p:cNvPr id="1" name=""/>
+        <p:cNvGrpSpPr/>
+        <p:nvPr/>
+      </p:nvGrpSpPr>
+      <p:grpSpPr>
+        <a:xfrm>
+          <a:off x="0" y="0"/>
+          <a:ext cx="0" cy="0"/>
+          <a:chOff x="0" y="0"/>
+          <a:chExt cx="0" cy="0"/>
+        </a:xfrm>
+      </p:grpSpPr>
+      <p:sp>
+        <p:nvSpPr>
+          <p:cNvPr id="2" name="Tijdelijke aanduiding voor dia-afbeelding 1"/>
+          <p:cNvSpPr>
+            <a:spLocks noGrp="1" noRot="1" noChangeAspect="1"/>
+          </p:cNvSpPr>
+          <p:nvPr>
+            <p:ph type="sldImg"/>
+          </p:nvPr>
+        </p:nvSpPr>
+        <p:spPr/>
+      </p:sp>
+      <p:sp>
+        <p:nvSpPr>
+          <p:cNvPr id="3" name="Tijdelijke aanduiding voor notities 2"/>
+          <p:cNvSpPr>
+            <a:spLocks noGrp="1"/>
+          </p:cNvSpPr>
+          <p:nvPr>
+            <p:ph type="body" idx="1"/>
+          </p:nvPr>
+        </p:nvSpPr>
+        <p:spPr/>
+        <p:txBody>
+          <a:bodyPr>
+            <a:normAutofit/>
+          </a:bodyPr>
+          <a:lstStyle/>
+          <a:p>
+            <a:r>
+              <a:rPr lang="en-US" dirty="0" smtClean="0"/>
+              <a:t>Questions?</a:t>
+            </a:r>
+            <a:endParaRPr lang="en-US" dirty="0"/>
+          </a:p>
+        </p:txBody>
+      </p:sp>
+      <p:sp>
+        <p:nvSpPr>
+          <p:cNvPr id="4" name="Tijdelijke aanduiding voor dianummer 3"/>
+          <p:cNvSpPr>
+            <a:spLocks noGrp="1"/>
+          </p:cNvSpPr>
+          <p:nvPr>
+            <p:ph type="sldNum" sz="quarter" idx="10"/>
+          </p:nvPr>
+        </p:nvSpPr>
+        <p:spPr/>
+        <p:txBody>
+          <a:bodyPr/>
+          <a:lstStyle/>
+          <a:p>
+            <a:fld id="{2491F333-88E5-4BFC-924F-D4DB9CE7E648}" type="slidenum">
+              <a:rPr lang="nl-NL" smtClean="0"/>
+              <a:pPr/>
+              <a:t>6</a:t>
+            </a:fld>
+            <a:endParaRPr lang="nl-NL"/>
+          </a:p>
+        </p:txBody>
+      </p:sp>
+    </p:spTree>
+  </p:cSld>
+  <p:clrMapOvr>
+    <a:masterClrMapping/>
+  </p:clrMapOvr>
+</p:notes>
+</file>
+
 <file path=ppt/slideLayouts/slideLayout1.xml><?xml version="1.0" encoding="utf-8"?>
 <p:sldLayout xmlns:a="http://schemas.openxmlformats.org/drawingml/2006/main" xmlns:r="http://schemas.openxmlformats.org/officeDocument/2006/relationships" xmlns:p="http://schemas.openxmlformats.org/presentationml/2006/main" type="title" preserve="1">
   <p:cSld name="Titeldia">
@@ -645,7 +1445,7 @@
             <a:fld id="{3F36089C-8B54-4FBE-BBB6-790F9EB3B456}" type="datetime1">
               <a:rPr lang="nl-NL" smtClean="0"/>
               <a:pPr/>
-              <a:t>3-10-2013</a:t>
+              <a:t>4-10-2013</a:t>
             </a:fld>
             <a:endParaRPr lang="nl-NL"/>
           </a:p>
@@ -816,7 +1616,7 @@
             <a:fld id="{3840060B-6518-4C68-AE03-5501B867EEC4}" type="datetime1">
               <a:rPr lang="nl-NL" smtClean="0"/>
               <a:pPr/>
-              <a:t>3-10-2013</a:t>
+              <a:t>4-10-2013</a:t>
             </a:fld>
             <a:endParaRPr lang="nl-NL"/>
           </a:p>
@@ -997,7 +1797,7 @@
             <a:fld id="{4D9580EF-84E1-4359-97D9-01E810BBB336}" type="datetime1">
               <a:rPr lang="nl-NL" smtClean="0"/>
               <a:pPr/>
-              <a:t>3-10-2013</a:t>
+              <a:t>4-10-2013</a:t>
             </a:fld>
             <a:endParaRPr lang="nl-NL"/>
           </a:p>
@@ -1168,7 +1968,7 @@
             <a:fld id="{129DA8D8-2909-42F5-9CB3-511E6201B144}" type="datetime1">
               <a:rPr lang="nl-NL" smtClean="0"/>
               <a:pPr/>
-              <a:t>3-10-2013</a:t>
+              <a:t>4-10-2013</a:t>
             </a:fld>
             <a:endParaRPr lang="nl-NL"/>
           </a:p>
@@ -1415,7 +2215,7 @@
             <a:fld id="{1CF641DF-FB18-4770-9F7D-F5D5261ED555}" type="datetime1">
               <a:rPr lang="nl-NL" smtClean="0"/>
               <a:pPr/>
-              <a:t>3-10-2013</a:t>
+              <a:t>4-10-2013</a:t>
             </a:fld>
             <a:endParaRPr lang="nl-NL"/>
           </a:p>
@@ -1704,7 +2504,7 @@
             <a:fld id="{E256044F-5659-451F-9E67-3D43D6705DD3}" type="datetime1">
               <a:rPr lang="nl-NL" smtClean="0"/>
               <a:pPr/>
-              <a:t>3-10-2013</a:t>
+              <a:t>4-10-2013</a:t>
             </a:fld>
             <a:endParaRPr lang="nl-NL"/>
           </a:p>
@@ -2127,7 +2927,7 @@
             <a:fld id="{A9DCBA78-EE00-4D6D-AED1-7F66086AC9E7}" type="datetime1">
               <a:rPr lang="nl-NL" smtClean="0"/>
               <a:pPr/>
-              <a:t>3-10-2013</a:t>
+              <a:t>4-10-2013</a:t>
             </a:fld>
             <a:endParaRPr lang="nl-NL"/>
           </a:p>
@@ -2246,7 +3046,7 @@
             <a:fld id="{A3E2ECBA-3C10-48B2-ACCA-3B8E00BA36A6}" type="datetime1">
               <a:rPr lang="nl-NL" smtClean="0"/>
               <a:pPr/>
-              <a:t>3-10-2013</a:t>
+              <a:t>4-10-2013</a:t>
             </a:fld>
             <a:endParaRPr lang="nl-NL"/>
           </a:p>
@@ -2342,7 +3142,7 @@
             <a:fld id="{B1E0E69A-E3D1-43E5-9016-78C0B3BE2BAB}" type="datetime1">
               <a:rPr lang="nl-NL" smtClean="0"/>
               <a:pPr/>
-              <a:t>3-10-2013</a:t>
+              <a:t>4-10-2013</a:t>
             </a:fld>
             <a:endParaRPr lang="nl-NL"/>
           </a:p>
@@ -2620,7 +3420,7 @@
             <a:fld id="{D4C564F0-FB70-416D-B75C-870D9C8F48E9}" type="datetime1">
               <a:rPr lang="nl-NL" smtClean="0"/>
               <a:pPr/>
-              <a:t>3-10-2013</a:t>
+              <a:t>4-10-2013</a:t>
             </a:fld>
             <a:endParaRPr lang="nl-NL"/>
           </a:p>
@@ -2878,7 +3678,7 @@
             <a:fld id="{E0B2B020-E898-4405-AA7E-195E402DE13D}" type="datetime1">
               <a:rPr lang="nl-NL" smtClean="0"/>
               <a:pPr/>
-              <a:t>3-10-2013</a:t>
+              <a:t>4-10-2013</a:t>
             </a:fld>
             <a:endParaRPr lang="nl-NL"/>
           </a:p>
@@ -3113,7 +3913,7 @@
             <a:fld id="{D83EF638-38C0-4B37-A1A3-AB1733AEA657}" type="datetime1">
               <a:rPr lang="nl-NL" smtClean="0"/>
               <a:pPr/>
-              <a:t>3-10-2013</a:t>
+              <a:t>4-10-2013</a:t>
             </a:fld>
             <a:endParaRPr lang="nl-NL"/>
           </a:p>
@@ -3560,13 +4360,8 @@
             </a:r>
             <a:r>
               <a:rPr lang="nl-NL" sz="1400" dirty="0" smtClean="0"/>
-              <a:t>  Rod</a:t>
-            </a:r>
-            <a:r>
-              <a:rPr lang="nl-NL" sz="1400" dirty="0" smtClean="0"/>
-              <a:t>y Kersten</a:t>
-            </a:r>
-            <a:endParaRPr lang="nl-NL" sz="1400" dirty="0" smtClean="0"/>
+              <a:t>  Rody Kersten</a:t>
+            </a:r>
           </a:p>
           <a:p>
             <a:pPr algn="l"/>
@@ -3682,7 +4477,7 @@
             <a:fld id="{2569F18C-47A0-4F27-8AA7-DBC3D23B650B}" type="datetime1">
               <a:rPr lang="nl-NL" smtClean="0"/>
               <a:pPr/>
-              <a:t>3-10-2013</a:t>
+              <a:t>4-10-2013</a:t>
             </a:fld>
             <a:endParaRPr lang="nl-NL"/>
           </a:p>
@@ -3744,7 +4539,7 @@
           <p:nvPr/>
         </p:nvPicPr>
         <p:blipFill>
-          <a:blip r:embed="rId2" cstate="print"/>
+          <a:blip r:embed="rId3" cstate="print"/>
           <a:srcRect/>
           <a:stretch>
             <a:fillRect/>
@@ -3833,7 +4628,32 @@
           <a:p>
             <a:r>
               <a:rPr lang="en-US" dirty="0" smtClean="0"/>
-              <a:t>Energy consumption analysis</a:t>
+              <a:t>Energy consumption </a:t>
+            </a:r>
+            <a:r>
+              <a:rPr lang="en-US" dirty="0" smtClean="0"/>
+              <a:t>analysis</a:t>
+            </a:r>
+          </a:p>
+          <a:p>
+            <a:pPr lvl="1"/>
+            <a:r>
+              <a:rPr lang="en-US" dirty="0" smtClean="0"/>
+              <a:t>Simplified programming language</a:t>
+            </a:r>
+          </a:p>
+          <a:p>
+            <a:pPr lvl="1"/>
+            <a:r>
+              <a:rPr lang="en-US" dirty="0" smtClean="0"/>
+              <a:t>Component model</a:t>
+            </a:r>
+          </a:p>
+          <a:p>
+            <a:pPr lvl="2"/>
+            <a:r>
+              <a:rPr lang="en-US" dirty="0" smtClean="0"/>
+              <a:t>Models energy consumption by hardware</a:t>
             </a:r>
             <a:endParaRPr lang="en-US" dirty="0"/>
           </a:p>
@@ -3857,7 +4677,7 @@
             <a:fld id="{129DA8D8-2909-42F5-9CB3-511E6201B144}" type="datetime1">
               <a:rPr lang="nl-NL" smtClean="0"/>
               <a:pPr/>
-              <a:t>3-10-2013</a:t>
+              <a:t>4-10-2013</a:t>
             </a:fld>
             <a:endParaRPr lang="nl-NL"/>
           </a:p>
@@ -3991,7 +4811,7 @@
             </a:pPr>
             <a:r>
               <a:rPr lang="en-US" dirty="0" smtClean="0"/>
-              <a:t>While loop:</a:t>
+              <a:t>     </a:t>
             </a:r>
             <a:endParaRPr lang="en-US" dirty="0"/>
           </a:p>
@@ -4015,7 +4835,7 @@
             <a:fld id="{129DA8D8-2909-42F5-9CB3-511E6201B144}" type="datetime1">
               <a:rPr lang="nl-NL" smtClean="0"/>
               <a:pPr/>
-              <a:t>3-10-2013</a:t>
+              <a:t>4-10-2013</a:t>
             </a:fld>
             <a:endParaRPr lang="nl-NL"/>
           </a:p>
@@ -4037,10 +4857,22 @@
           <a:lstStyle/>
           <a:p>
             <a:r>
-              <a:rPr lang="nl-NL" smtClean="0"/>
-              <a:t>GiPHouse confidential</a:t>
-            </a:r>
-            <a:endParaRPr lang="nl-NL"/>
+              <a:rPr lang="nl-NL" dirty="0" err="1" smtClean="0"/>
+              <a:t>GiPHouse</a:t>
+            </a:r>
+            <a:r>
+              <a:rPr lang="nl-NL" dirty="0" smtClean="0"/>
+              <a:t> </a:t>
+            </a:r>
+            <a:r>
+              <a:rPr lang="nl-NL" dirty="0" err="1" smtClean="0"/>
+              <a:t>exampl</a:t>
+            </a:r>
+            <a:r>
+              <a:rPr lang="nl-NL" dirty="0" err="1" smtClean="0"/>
+              <a:t>e</a:t>
+            </a:r>
+            <a:endParaRPr lang="nl-NL" dirty="0"/>
           </a:p>
         </p:txBody>
       </p:sp>
@@ -4076,7 +4908,7 @@
         </p:nvSpPr>
         <p:spPr>
           <a:xfrm>
-            <a:off x="5334000" y="2438400"/>
+            <a:off x="762000" y="2133600"/>
             <a:ext cx="3429000" cy="2862322"/>
           </a:xfrm>
           <a:prstGeom prst="rect">
@@ -4100,11 +4932,7 @@
             </a:pPr>
             <a:r>
               <a:rPr lang="en-US" b="1" dirty="0" smtClean="0"/>
-              <a:t>f</a:t>
-            </a:r>
-            <a:r>
-              <a:rPr lang="en-US" b="1" dirty="0" smtClean="0"/>
-              <a:t>unction</a:t>
+              <a:t>function</a:t>
             </a:r>
             <a:r>
               <a:rPr lang="en-US" dirty="0" smtClean="0"/>
@@ -4116,11 +4944,7 @@
             </a:r>
             <a:r>
               <a:rPr lang="en-US" dirty="0" smtClean="0"/>
-              <a:t>(N</a:t>
-            </a:r>
-            <a:r>
-              <a:rPr lang="en-US" dirty="0" smtClean="0"/>
-              <a:t>)</a:t>
+              <a:t>(N)</a:t>
             </a:r>
           </a:p>
           <a:p>
@@ -4129,11 +4953,7 @@
             </a:pPr>
             <a:r>
               <a:rPr lang="en-US" dirty="0" smtClean="0"/>
-              <a:t>  </a:t>
-            </a:r>
-            <a:r>
-              <a:rPr lang="en-US" dirty="0" smtClean="0"/>
-              <a:t>radio</a:t>
+              <a:t>  radio</a:t>
             </a:r>
             <a:r>
               <a:rPr lang="en-US" b="1" dirty="0" smtClean="0"/>
@@ -4141,8 +4961,13 @@
             </a:r>
             <a:r>
               <a:rPr lang="en-US" dirty="0" smtClean="0"/>
-              <a:t>on();</a:t>
-            </a:r>
+              <a:t>on</a:t>
+            </a:r>
+            <a:r>
+              <a:rPr lang="en-US" dirty="0" smtClean="0"/>
+              <a:t>();</a:t>
+            </a:r>
+            <a:endParaRPr lang="en-US" dirty="0" smtClean="0"/>
           </a:p>
           <a:p>
             <a:pPr>
@@ -4182,12 +5007,12 @@
               <a:t>    X </a:t>
             </a:r>
             <a:r>
-              <a:rPr lang="en-US" dirty="0" smtClean="0"/>
-              <a:t>:= </a:t>
-            </a:r>
-            <a:r>
-              <a:rPr lang="en-US" dirty="0" smtClean="0"/>
-              <a:t>sensor</a:t>
+              <a:rPr lang="en-US" b="1" dirty="0" smtClean="0"/>
+              <a:t>:=</a:t>
+            </a:r>
+            <a:r>
+              <a:rPr lang="en-US" dirty="0" smtClean="0"/>
+              <a:t> sensor</a:t>
             </a:r>
             <a:r>
               <a:rPr lang="en-US" b="1" dirty="0" smtClean="0"/>
@@ -4238,7 +5063,15 @@
             </a:pPr>
             <a:r>
               <a:rPr lang="en-US" dirty="0" smtClean="0"/>
-              <a:t>    N := N-1</a:t>
+              <a:t>    N </a:t>
+            </a:r>
+            <a:r>
+              <a:rPr lang="en-US" b="1" dirty="0" smtClean="0"/>
+              <a:t>:=</a:t>
+            </a:r>
+            <a:r>
+              <a:rPr lang="en-US" dirty="0" smtClean="0"/>
+              <a:t> N-1</a:t>
             </a:r>
           </a:p>
           <a:p>
@@ -4275,6 +5108,304 @@
             <a:pPr>
               <a:buNone/>
             </a:pPr>
+            <a:r>
+              <a:rPr lang="en-US" b="1" dirty="0" smtClean="0"/>
+              <a:t>end function</a:t>
+            </a:r>
+          </a:p>
+        </p:txBody>
+      </p:sp>
+      <p:sp>
+        <p:nvSpPr>
+          <p:cNvPr id="8" name="Tekstvak 7"/>
+          <p:cNvSpPr txBox="1"/>
+          <p:nvPr/>
+        </p:nvSpPr>
+        <p:spPr>
+          <a:xfrm>
+            <a:off x="9372600" y="1828800"/>
+            <a:ext cx="3810000" cy="3693319"/>
+          </a:xfrm>
+          <a:prstGeom prst="rect">
+            <a:avLst/>
+          </a:prstGeom>
+          <a:solidFill>
+            <a:schemeClr val="accent6">
+              <a:lumMod val="20000"/>
+              <a:lumOff val="80000"/>
+            </a:schemeClr>
+          </a:solidFill>
+        </p:spPr>
+        <p:txBody>
+          <a:bodyPr wrap="square" rtlCol="0">
+            <a:spAutoFit/>
+          </a:bodyPr>
+          <a:lstStyle/>
+          <a:p>
+            <a:r>
+              <a:rPr lang="en-US" b="1" dirty="0" smtClean="0"/>
+              <a:t>function</a:t>
+            </a:r>
+            <a:r>
+              <a:rPr lang="en-US" dirty="0" smtClean="0"/>
+              <a:t> forwardSignals2(N)</a:t>
+            </a:r>
+          </a:p>
+          <a:p>
+            <a:r>
+              <a:rPr lang="en-US" b="1" dirty="0" smtClean="0"/>
+              <a:t>while</a:t>
+            </a:r>
+            <a:r>
+              <a:rPr lang="en-US" dirty="0" smtClean="0"/>
+              <a:t> N &gt; 0 </a:t>
+            </a:r>
+            <a:r>
+              <a:rPr lang="en-US" b="1" dirty="0" smtClean="0"/>
+              <a:t>bound</a:t>
+            </a:r>
+            <a:r>
+              <a:rPr lang="en-US" dirty="0" smtClean="0"/>
+              <a:t> </a:t>
+            </a:r>
+            <a:r>
+              <a:rPr lang="en-US" dirty="0" smtClean="0"/>
+              <a:t>(N+9)/10 </a:t>
+            </a:r>
+            <a:r>
+              <a:rPr lang="en-US" b="1" dirty="0" smtClean="0"/>
+              <a:t>do</a:t>
+            </a:r>
+          </a:p>
+          <a:p>
+            <a:r>
+              <a:rPr lang="en-US" dirty="0" smtClean="0"/>
+              <a:t>  </a:t>
+            </a:r>
+            <a:r>
+              <a:rPr lang="en-US" dirty="0" smtClean="0"/>
+              <a:t>I </a:t>
+            </a:r>
+            <a:r>
+              <a:rPr lang="en-US" b="1" dirty="0" smtClean="0"/>
+              <a:t>:=</a:t>
+            </a:r>
+            <a:r>
+              <a:rPr lang="en-US" dirty="0" smtClean="0"/>
+              <a:t> 10;</a:t>
+            </a:r>
+          </a:p>
+          <a:p>
+            <a:r>
+              <a:rPr lang="en-US" dirty="0" smtClean="0"/>
+              <a:t>  </a:t>
+            </a:r>
+            <a:r>
+              <a:rPr lang="en-US" b="1" dirty="0" smtClean="0"/>
+              <a:t>while</a:t>
+            </a:r>
+            <a:r>
+              <a:rPr lang="en-US" dirty="0" smtClean="0"/>
+              <a:t> </a:t>
+            </a:r>
+            <a:r>
+              <a:rPr lang="en-US" dirty="0" smtClean="0"/>
+              <a:t>I </a:t>
+            </a:r>
+            <a:r>
+              <a:rPr lang="en-US" dirty="0" smtClean="0"/>
+              <a:t>&gt; </a:t>
+            </a:r>
+            <a:r>
+              <a:rPr lang="en-US" dirty="0" smtClean="0"/>
+              <a:t>0 </a:t>
+            </a:r>
+            <a:r>
+              <a:rPr lang="en-US" b="1" dirty="0" smtClean="0"/>
+              <a:t>and</a:t>
+            </a:r>
+            <a:r>
+              <a:rPr lang="en-US" dirty="0" smtClean="0"/>
+              <a:t> N &gt; 0 </a:t>
+            </a:r>
+            <a:r>
+              <a:rPr lang="en-US" b="1" dirty="0" smtClean="0"/>
+              <a:t>bound</a:t>
+            </a:r>
+            <a:r>
+              <a:rPr lang="en-US" dirty="0" smtClean="0"/>
+              <a:t> </a:t>
+            </a:r>
+            <a:r>
+              <a:rPr lang="en-US" dirty="0" smtClean="0"/>
+              <a:t>I </a:t>
+            </a:r>
+            <a:r>
+              <a:rPr lang="en-US" b="1" dirty="0" smtClean="0"/>
+              <a:t>do</a:t>
+            </a:r>
+            <a:endParaRPr lang="en-US" b="1" dirty="0" smtClean="0"/>
+          </a:p>
+          <a:p>
+            <a:r>
+              <a:rPr lang="en-US" dirty="0" smtClean="0"/>
+              <a:t>    </a:t>
+            </a:r>
+            <a:r>
+              <a:rPr lang="en-US" dirty="0" smtClean="0"/>
+              <a:t>X </a:t>
+            </a:r>
+            <a:r>
+              <a:rPr lang="en-US" b="1" dirty="0" smtClean="0"/>
+              <a:t>:=</a:t>
+            </a:r>
+            <a:r>
+              <a:rPr lang="en-US" dirty="0" smtClean="0"/>
+              <a:t> sensor</a:t>
+            </a:r>
+            <a:r>
+              <a:rPr lang="en-US" b="1" dirty="0" smtClean="0"/>
+              <a:t>::</a:t>
+            </a:r>
+            <a:r>
+              <a:rPr lang="en-US" dirty="0" smtClean="0"/>
+              <a:t>m();</a:t>
+            </a:r>
+          </a:p>
+          <a:p>
+            <a:r>
+              <a:rPr lang="en-US" dirty="0" smtClean="0"/>
+              <a:t>    radio</a:t>
+            </a:r>
+            <a:r>
+              <a:rPr lang="en-US" b="1" dirty="0" smtClean="0"/>
+              <a:t>::</a:t>
+            </a:r>
+            <a:r>
+              <a:rPr lang="en-US" dirty="0" smtClean="0"/>
+              <a:t>queue(X);</a:t>
+            </a:r>
+            <a:endParaRPr lang="en-US" dirty="0" smtClean="0"/>
+          </a:p>
+          <a:p>
+            <a:r>
+              <a:rPr lang="en-US" dirty="0" smtClean="0"/>
+              <a:t>    </a:t>
+            </a:r>
+            <a:r>
+              <a:rPr lang="en-US" dirty="0" smtClean="0"/>
+              <a:t>I </a:t>
+            </a:r>
+            <a:r>
+              <a:rPr lang="en-US" b="1" dirty="0" smtClean="0"/>
+              <a:t>:=</a:t>
+            </a:r>
+            <a:r>
+              <a:rPr lang="en-US" dirty="0" smtClean="0"/>
+              <a:t> </a:t>
+            </a:r>
+            <a:r>
+              <a:rPr lang="en-US" dirty="0" smtClean="0"/>
+              <a:t>I </a:t>
+            </a:r>
+            <a:r>
+              <a:rPr lang="en-US" dirty="0" smtClean="0"/>
+              <a:t>- 1;</a:t>
+            </a:r>
+          </a:p>
+          <a:p>
+            <a:r>
+              <a:rPr lang="en-US" dirty="0" smtClean="0"/>
+              <a:t>    N </a:t>
+            </a:r>
+            <a:r>
+              <a:rPr lang="en-US" b="1" dirty="0" smtClean="0"/>
+              <a:t>:=</a:t>
+            </a:r>
+            <a:r>
+              <a:rPr lang="en-US" dirty="0" smtClean="0"/>
+              <a:t> </a:t>
+            </a:r>
+            <a:r>
+              <a:rPr lang="en-US" dirty="0" smtClean="0"/>
+              <a:t>N - </a:t>
+            </a:r>
+            <a:r>
+              <a:rPr lang="en-US" dirty="0" smtClean="0"/>
+              <a:t>1</a:t>
+            </a:r>
+            <a:endParaRPr lang="en-US" dirty="0" smtClean="0"/>
+          </a:p>
+          <a:p>
+            <a:r>
+              <a:rPr lang="en-US" dirty="0" smtClean="0"/>
+              <a:t>  </a:t>
+            </a:r>
+            <a:r>
+              <a:rPr lang="en-US" b="1" dirty="0" smtClean="0"/>
+              <a:t>end while</a:t>
+            </a:r>
+          </a:p>
+          <a:p>
+            <a:r>
+              <a:rPr lang="en-US" dirty="0" smtClean="0"/>
+              <a:t>  </a:t>
+            </a:r>
+            <a:r>
+              <a:rPr lang="en-US" dirty="0" err="1" smtClean="0"/>
+              <a:t>Cradio</a:t>
+            </a:r>
+            <a:r>
+              <a:rPr lang="en-US" b="1" dirty="0" smtClean="0"/>
+              <a:t>::</a:t>
+            </a:r>
+            <a:r>
+              <a:rPr lang="en-US" dirty="0" smtClean="0"/>
+              <a:t>on();</a:t>
+            </a:r>
+          </a:p>
+          <a:p>
+            <a:r>
+              <a:rPr lang="en-US" dirty="0" smtClean="0"/>
+              <a:t>  </a:t>
+            </a:r>
+            <a:r>
+              <a:rPr lang="en-US" dirty="0" err="1" smtClean="0"/>
+              <a:t>Cradio</a:t>
+            </a:r>
+            <a:r>
+              <a:rPr lang="en-US" b="1" dirty="0" smtClean="0"/>
+              <a:t>::</a:t>
+            </a:r>
+            <a:r>
+              <a:rPr lang="en-US" dirty="0" smtClean="0"/>
+              <a:t>send();</a:t>
+            </a:r>
+          </a:p>
+          <a:p>
+            <a:r>
+              <a:rPr lang="en-US" dirty="0" smtClean="0"/>
+              <a:t>  </a:t>
+            </a:r>
+            <a:r>
+              <a:rPr lang="en-US" dirty="0" err="1" smtClean="0"/>
+              <a:t>Cradio</a:t>
+            </a:r>
+            <a:r>
+              <a:rPr lang="en-US" b="1" dirty="0" smtClean="0"/>
+              <a:t>::</a:t>
+            </a:r>
+            <a:r>
+              <a:rPr lang="en-US" dirty="0" smtClean="0"/>
+              <a:t>off</a:t>
+            </a:r>
+            <a:r>
+              <a:rPr lang="en-US" dirty="0" smtClean="0"/>
+              <a:t>()</a:t>
+            </a:r>
+            <a:endParaRPr lang="en-US" dirty="0" smtClean="0"/>
+          </a:p>
+          <a:p>
             <a:r>
               <a:rPr lang="en-US" b="1" dirty="0" smtClean="0"/>
               <a:t>end function</a:t>
@@ -4332,7 +5463,7 @@
           <a:p>
             <a:r>
               <a:rPr lang="en-US" dirty="0" smtClean="0"/>
-              <a:t>Planning</a:t>
+              <a:t>Example</a:t>
             </a:r>
             <a:endParaRPr lang="en-US" dirty="0"/>
           </a:p>
@@ -4350,36 +5481,18 @@
         </p:nvSpPr>
         <p:spPr/>
         <p:txBody>
-          <a:bodyPr/>
-          <a:lstStyle/>
-          <a:p>
-            <a:r>
-              <a:rPr lang="en-US" dirty="0" smtClean="0"/>
-              <a:t>How</a:t>
-            </a:r>
-          </a:p>
-          <a:p>
-            <a:pPr lvl="1"/>
-            <a:r>
-              <a:rPr lang="en-US" dirty="0" smtClean="0"/>
-              <a:t>Open for changes</a:t>
-            </a:r>
-          </a:p>
-          <a:p>
-            <a:pPr lvl="1"/>
-            <a:r>
-              <a:rPr lang="en-US" dirty="0" smtClean="0"/>
-              <a:t>Bi-weekly meeting with researcher</a:t>
-            </a:r>
-          </a:p>
-          <a:p>
-            <a:pPr lvl="2"/>
-            <a:r>
-              <a:rPr lang="en-US" dirty="0" smtClean="0"/>
-              <a:t>Type system -&gt; Hoare logic</a:t>
-            </a:r>
-          </a:p>
-          <a:p>
+          <a:bodyPr>
+            <a:normAutofit/>
+          </a:bodyPr>
+          <a:lstStyle/>
+          <a:p>
+            <a:pPr>
+              <a:buNone/>
+            </a:pPr>
+            <a:r>
+              <a:rPr lang="en-US" dirty="0" smtClean="0"/>
+              <a:t>     </a:t>
+            </a:r>
             <a:endParaRPr lang="en-US" dirty="0"/>
           </a:p>
         </p:txBody>
@@ -4402,9 +5515,9 @@
             <a:fld id="{129DA8D8-2909-42F5-9CB3-511E6201B144}" type="datetime1">
               <a:rPr lang="nl-NL" smtClean="0"/>
               <a:pPr/>
-              <a:t>3-10-2013</a:t>
+              <a:t>4-10-2013</a:t>
             </a:fld>
-            <a:endParaRPr lang="nl-NL" dirty="0"/>
+            <a:endParaRPr lang="nl-NL"/>
           </a:p>
         </p:txBody>
       </p:sp>
@@ -4432,8 +5545,8 @@
               <a:t> </a:t>
             </a:r>
             <a:r>
-              <a:rPr lang="nl-NL" dirty="0" err="1" smtClean="0"/>
-              <a:t>opensource</a:t>
+              <a:rPr lang="nl-NL" dirty="0" smtClean="0"/>
+              <a:t>demo</a:t>
             </a:r>
             <a:endParaRPr lang="nl-NL" dirty="0"/>
           </a:p>
@@ -4463,11 +5576,854 @@
           </a:p>
         </p:txBody>
       </p:sp>
+      <p:sp>
+        <p:nvSpPr>
+          <p:cNvPr id="7" name="Tekstvak 6"/>
+          <p:cNvSpPr txBox="1"/>
+          <p:nvPr/>
+        </p:nvSpPr>
+        <p:spPr>
+          <a:xfrm>
+            <a:off x="762000" y="2133600"/>
+            <a:ext cx="3429000" cy="2862322"/>
+          </a:xfrm>
+          <a:prstGeom prst="rect">
+            <a:avLst/>
+          </a:prstGeom>
+          <a:solidFill>
+            <a:schemeClr val="accent6">
+              <a:lumMod val="20000"/>
+              <a:lumOff val="80000"/>
+            </a:schemeClr>
+          </a:solidFill>
+        </p:spPr>
+        <p:txBody>
+          <a:bodyPr wrap="square" rtlCol="0">
+            <a:spAutoFit/>
+          </a:bodyPr>
+          <a:lstStyle/>
+          <a:p>
+            <a:pPr>
+              <a:buNone/>
+            </a:pPr>
+            <a:r>
+              <a:rPr lang="en-US" b="1" dirty="0" smtClean="0"/>
+              <a:t>function</a:t>
+            </a:r>
+            <a:r>
+              <a:rPr lang="en-US" dirty="0" smtClean="0"/>
+              <a:t>  </a:t>
+            </a:r>
+            <a:r>
+              <a:rPr lang="en-US" dirty="0" err="1" smtClean="0"/>
+              <a:t>forwardSignals</a:t>
+            </a:r>
+            <a:r>
+              <a:rPr lang="en-US" dirty="0" smtClean="0"/>
+              <a:t>(N)</a:t>
+            </a:r>
+          </a:p>
+          <a:p>
+            <a:pPr>
+              <a:buNone/>
+            </a:pPr>
+            <a:r>
+              <a:rPr lang="en-US" dirty="0" smtClean="0">
+                <a:solidFill>
+                  <a:srgbClr val="FF0000"/>
+                </a:solidFill>
+              </a:rPr>
+              <a:t>  radio</a:t>
+            </a:r>
+            <a:r>
+              <a:rPr lang="en-US" b="1" dirty="0" smtClean="0">
+                <a:solidFill>
+                  <a:srgbClr val="FF0000"/>
+                </a:solidFill>
+              </a:rPr>
+              <a:t>::</a:t>
+            </a:r>
+            <a:r>
+              <a:rPr lang="en-US" dirty="0" smtClean="0">
+                <a:solidFill>
+                  <a:srgbClr val="FF0000"/>
+                </a:solidFill>
+              </a:rPr>
+              <a:t>on</a:t>
+            </a:r>
+            <a:r>
+              <a:rPr lang="en-US" dirty="0" smtClean="0">
+                <a:solidFill>
+                  <a:srgbClr val="FF0000"/>
+                </a:solidFill>
+              </a:rPr>
+              <a:t>();</a:t>
+            </a:r>
+            <a:endParaRPr lang="en-US" dirty="0" smtClean="0">
+              <a:solidFill>
+                <a:srgbClr val="FF0000"/>
+              </a:solidFill>
+            </a:endParaRPr>
+          </a:p>
+          <a:p>
+            <a:pPr>
+              <a:buNone/>
+            </a:pPr>
+            <a:r>
+              <a:rPr lang="en-US" dirty="0" smtClean="0"/>
+              <a:t>  </a:t>
+            </a:r>
+            <a:r>
+              <a:rPr lang="en-US" b="1" dirty="0" smtClean="0"/>
+              <a:t>while</a:t>
+            </a:r>
+            <a:r>
+              <a:rPr lang="en-US" dirty="0" smtClean="0"/>
+              <a:t> N &gt; 0 </a:t>
+            </a:r>
+            <a:r>
+              <a:rPr lang="en-US" b="1" dirty="0" smtClean="0"/>
+              <a:t>bound</a:t>
+            </a:r>
+            <a:r>
+              <a:rPr lang="en-US" dirty="0" smtClean="0"/>
+              <a:t> N </a:t>
+            </a:r>
+            <a:r>
+              <a:rPr lang="en-US" b="1" dirty="0" smtClean="0"/>
+              <a:t>do</a:t>
+            </a:r>
+          </a:p>
+          <a:p>
+            <a:pPr>
+              <a:buNone/>
+            </a:pPr>
+            <a:r>
+              <a:rPr lang="en-US" dirty="0" smtClean="0"/>
+              <a:t>    X </a:t>
+            </a:r>
+            <a:r>
+              <a:rPr lang="en-US" b="1" dirty="0" smtClean="0"/>
+              <a:t>:=</a:t>
+            </a:r>
+            <a:r>
+              <a:rPr lang="en-US" dirty="0" smtClean="0"/>
+              <a:t> sensor</a:t>
+            </a:r>
+            <a:r>
+              <a:rPr lang="en-US" b="1" dirty="0" smtClean="0"/>
+              <a:t>::</a:t>
+            </a:r>
+            <a:r>
+              <a:rPr lang="en-US" dirty="0" smtClean="0"/>
+              <a:t>m();</a:t>
+            </a:r>
+          </a:p>
+          <a:p>
+            <a:pPr>
+              <a:buNone/>
+            </a:pPr>
+            <a:r>
+              <a:rPr lang="en-US" dirty="0" smtClean="0"/>
+              <a:t>    radio</a:t>
+            </a:r>
+            <a:r>
+              <a:rPr lang="en-US" b="1" dirty="0" smtClean="0"/>
+              <a:t>::</a:t>
+            </a:r>
+            <a:r>
+              <a:rPr lang="en-US" dirty="0" smtClean="0"/>
+              <a:t>queue(X);</a:t>
+            </a:r>
+          </a:p>
+          <a:p>
+            <a:pPr>
+              <a:buNone/>
+            </a:pPr>
+            <a:r>
+              <a:rPr lang="en-US" dirty="0" smtClean="0"/>
+              <a:t>    radio</a:t>
+            </a:r>
+            <a:r>
+              <a:rPr lang="en-US" b="1" dirty="0" smtClean="0"/>
+              <a:t>::</a:t>
+            </a:r>
+            <a:r>
+              <a:rPr lang="en-US" dirty="0" smtClean="0"/>
+              <a:t>send();</a:t>
+            </a:r>
+          </a:p>
+          <a:p>
+            <a:pPr>
+              <a:buNone/>
+            </a:pPr>
+            <a:r>
+              <a:rPr lang="en-US" dirty="0" smtClean="0"/>
+              <a:t>    N </a:t>
+            </a:r>
+            <a:r>
+              <a:rPr lang="en-US" b="1" dirty="0" smtClean="0"/>
+              <a:t>:=</a:t>
+            </a:r>
+            <a:r>
+              <a:rPr lang="en-US" dirty="0" smtClean="0"/>
+              <a:t> N-1</a:t>
+            </a:r>
+          </a:p>
+          <a:p>
+            <a:pPr>
+              <a:buNone/>
+            </a:pPr>
+            <a:r>
+              <a:rPr lang="en-US" dirty="0" smtClean="0"/>
+              <a:t>  </a:t>
+            </a:r>
+            <a:r>
+              <a:rPr lang="en-US" b="1" dirty="0" smtClean="0"/>
+              <a:t>end while;</a:t>
+            </a:r>
+          </a:p>
+          <a:p>
+            <a:pPr>
+              <a:buNone/>
+            </a:pPr>
+            <a:r>
+              <a:rPr lang="en-US" dirty="0" smtClean="0">
+                <a:solidFill>
+                  <a:srgbClr val="FF0000"/>
+                </a:solidFill>
+              </a:rPr>
+              <a:t>  radio</a:t>
+            </a:r>
+            <a:r>
+              <a:rPr lang="en-US" b="1" dirty="0" smtClean="0">
+                <a:solidFill>
+                  <a:srgbClr val="FF0000"/>
+                </a:solidFill>
+              </a:rPr>
+              <a:t>::</a:t>
+            </a:r>
+            <a:r>
+              <a:rPr lang="en-US" dirty="0" smtClean="0">
+                <a:solidFill>
+                  <a:srgbClr val="FF0000"/>
+                </a:solidFill>
+              </a:rPr>
+              <a:t>off()</a:t>
+            </a:r>
+          </a:p>
+          <a:p>
+            <a:pPr>
+              <a:buNone/>
+            </a:pPr>
+            <a:r>
+              <a:rPr lang="en-US" b="1" dirty="0" smtClean="0"/>
+              <a:t>end function</a:t>
+            </a:r>
+          </a:p>
+        </p:txBody>
+      </p:sp>
+      <p:sp>
+        <p:nvSpPr>
+          <p:cNvPr id="8" name="Tekstvak 7"/>
+          <p:cNvSpPr txBox="1"/>
+          <p:nvPr/>
+        </p:nvSpPr>
+        <p:spPr>
+          <a:xfrm>
+            <a:off x="10058400" y="1371600"/>
+            <a:ext cx="3810000" cy="3693319"/>
+          </a:xfrm>
+          <a:prstGeom prst="rect">
+            <a:avLst/>
+          </a:prstGeom>
+          <a:solidFill>
+            <a:schemeClr val="accent6">
+              <a:lumMod val="20000"/>
+              <a:lumOff val="80000"/>
+            </a:schemeClr>
+          </a:solidFill>
+        </p:spPr>
+        <p:txBody>
+          <a:bodyPr wrap="square" rtlCol="0">
+            <a:spAutoFit/>
+          </a:bodyPr>
+          <a:lstStyle/>
+          <a:p>
+            <a:r>
+              <a:rPr lang="en-US" b="1" dirty="0" smtClean="0"/>
+              <a:t>function</a:t>
+            </a:r>
+            <a:r>
+              <a:rPr lang="en-US" dirty="0" smtClean="0"/>
+              <a:t> forwardSignals2(N)</a:t>
+            </a:r>
+          </a:p>
+          <a:p>
+            <a:r>
+              <a:rPr lang="en-US" b="1" dirty="0" smtClean="0"/>
+              <a:t>while</a:t>
+            </a:r>
+            <a:r>
+              <a:rPr lang="en-US" dirty="0" smtClean="0"/>
+              <a:t> N &gt; 0 </a:t>
+            </a:r>
+            <a:r>
+              <a:rPr lang="en-US" b="1" dirty="0" smtClean="0"/>
+              <a:t>bound</a:t>
+            </a:r>
+            <a:r>
+              <a:rPr lang="en-US" dirty="0" smtClean="0"/>
+              <a:t> </a:t>
+            </a:r>
+            <a:r>
+              <a:rPr lang="en-US" dirty="0" smtClean="0"/>
+              <a:t>(N+9)/10 </a:t>
+            </a:r>
+            <a:r>
+              <a:rPr lang="en-US" b="1" dirty="0" smtClean="0"/>
+              <a:t>do</a:t>
+            </a:r>
+          </a:p>
+          <a:p>
+            <a:r>
+              <a:rPr lang="en-US" dirty="0" smtClean="0"/>
+              <a:t>  </a:t>
+            </a:r>
+            <a:r>
+              <a:rPr lang="en-US" dirty="0" smtClean="0"/>
+              <a:t>I </a:t>
+            </a:r>
+            <a:r>
+              <a:rPr lang="en-US" b="1" dirty="0" smtClean="0"/>
+              <a:t>:=</a:t>
+            </a:r>
+            <a:r>
+              <a:rPr lang="en-US" dirty="0" smtClean="0"/>
+              <a:t> 10;</a:t>
+            </a:r>
+          </a:p>
+          <a:p>
+            <a:r>
+              <a:rPr lang="en-US" dirty="0" smtClean="0"/>
+              <a:t>  </a:t>
+            </a:r>
+            <a:r>
+              <a:rPr lang="en-US" b="1" dirty="0" smtClean="0"/>
+              <a:t>while</a:t>
+            </a:r>
+            <a:r>
+              <a:rPr lang="en-US" dirty="0" smtClean="0"/>
+              <a:t> </a:t>
+            </a:r>
+            <a:r>
+              <a:rPr lang="en-US" dirty="0" smtClean="0"/>
+              <a:t>I </a:t>
+            </a:r>
+            <a:r>
+              <a:rPr lang="en-US" dirty="0" smtClean="0"/>
+              <a:t>&gt; </a:t>
+            </a:r>
+            <a:r>
+              <a:rPr lang="en-US" dirty="0" smtClean="0"/>
+              <a:t>0 </a:t>
+            </a:r>
+            <a:r>
+              <a:rPr lang="en-US" b="1" dirty="0" smtClean="0"/>
+              <a:t>and</a:t>
+            </a:r>
+            <a:r>
+              <a:rPr lang="en-US" dirty="0" smtClean="0"/>
+              <a:t> N &gt; 0 </a:t>
+            </a:r>
+            <a:r>
+              <a:rPr lang="en-US" b="1" dirty="0" smtClean="0"/>
+              <a:t>bound</a:t>
+            </a:r>
+            <a:r>
+              <a:rPr lang="en-US" dirty="0" smtClean="0"/>
+              <a:t> </a:t>
+            </a:r>
+            <a:r>
+              <a:rPr lang="en-US" dirty="0" smtClean="0"/>
+              <a:t>I </a:t>
+            </a:r>
+            <a:r>
+              <a:rPr lang="en-US" b="1" dirty="0" smtClean="0"/>
+              <a:t>do</a:t>
+            </a:r>
+            <a:endParaRPr lang="en-US" b="1" dirty="0" smtClean="0"/>
+          </a:p>
+          <a:p>
+            <a:r>
+              <a:rPr lang="en-US" dirty="0" smtClean="0"/>
+              <a:t>    </a:t>
+            </a:r>
+            <a:r>
+              <a:rPr lang="en-US" dirty="0" smtClean="0"/>
+              <a:t>X </a:t>
+            </a:r>
+            <a:r>
+              <a:rPr lang="en-US" b="1" dirty="0" smtClean="0"/>
+              <a:t>:=</a:t>
+            </a:r>
+            <a:r>
+              <a:rPr lang="en-US" dirty="0" smtClean="0"/>
+              <a:t> sensor</a:t>
+            </a:r>
+            <a:r>
+              <a:rPr lang="en-US" b="1" dirty="0" smtClean="0"/>
+              <a:t>::</a:t>
+            </a:r>
+            <a:r>
+              <a:rPr lang="en-US" dirty="0" smtClean="0"/>
+              <a:t>m();</a:t>
+            </a:r>
+          </a:p>
+          <a:p>
+            <a:r>
+              <a:rPr lang="en-US" dirty="0" smtClean="0"/>
+              <a:t>    radio</a:t>
+            </a:r>
+            <a:r>
+              <a:rPr lang="en-US" b="1" dirty="0" smtClean="0"/>
+              <a:t>::</a:t>
+            </a:r>
+            <a:r>
+              <a:rPr lang="en-US" dirty="0" smtClean="0"/>
+              <a:t>queue(X);</a:t>
+            </a:r>
+            <a:endParaRPr lang="en-US" dirty="0" smtClean="0"/>
+          </a:p>
+          <a:p>
+            <a:r>
+              <a:rPr lang="en-US" dirty="0" smtClean="0"/>
+              <a:t>    </a:t>
+            </a:r>
+            <a:r>
+              <a:rPr lang="en-US" dirty="0" smtClean="0"/>
+              <a:t>I </a:t>
+            </a:r>
+            <a:r>
+              <a:rPr lang="en-US" b="1" dirty="0" smtClean="0"/>
+              <a:t>:=</a:t>
+            </a:r>
+            <a:r>
+              <a:rPr lang="en-US" dirty="0" smtClean="0"/>
+              <a:t> </a:t>
+            </a:r>
+            <a:r>
+              <a:rPr lang="en-US" dirty="0" smtClean="0"/>
+              <a:t>I </a:t>
+            </a:r>
+            <a:r>
+              <a:rPr lang="en-US" dirty="0" smtClean="0"/>
+              <a:t>- 1;</a:t>
+            </a:r>
+          </a:p>
+          <a:p>
+            <a:r>
+              <a:rPr lang="en-US" dirty="0" smtClean="0"/>
+              <a:t>    N </a:t>
+            </a:r>
+            <a:r>
+              <a:rPr lang="en-US" b="1" dirty="0" smtClean="0"/>
+              <a:t>:=</a:t>
+            </a:r>
+            <a:r>
+              <a:rPr lang="en-US" dirty="0" smtClean="0"/>
+              <a:t> </a:t>
+            </a:r>
+            <a:r>
+              <a:rPr lang="en-US" dirty="0" smtClean="0"/>
+              <a:t>N - </a:t>
+            </a:r>
+            <a:r>
+              <a:rPr lang="en-US" dirty="0" smtClean="0"/>
+              <a:t>1</a:t>
+            </a:r>
+            <a:endParaRPr lang="en-US" dirty="0" smtClean="0"/>
+          </a:p>
+          <a:p>
+            <a:r>
+              <a:rPr lang="en-US" dirty="0" smtClean="0"/>
+              <a:t>  </a:t>
+            </a:r>
+            <a:r>
+              <a:rPr lang="en-US" b="1" dirty="0" smtClean="0"/>
+              <a:t>end while</a:t>
+            </a:r>
+          </a:p>
+          <a:p>
+            <a:r>
+              <a:rPr lang="en-US" dirty="0" smtClean="0"/>
+              <a:t>  </a:t>
+            </a:r>
+            <a:r>
+              <a:rPr lang="en-US" dirty="0" err="1" smtClean="0"/>
+              <a:t>Cradio</a:t>
+            </a:r>
+            <a:r>
+              <a:rPr lang="en-US" b="1" dirty="0" smtClean="0"/>
+              <a:t>::</a:t>
+            </a:r>
+            <a:r>
+              <a:rPr lang="en-US" dirty="0" smtClean="0"/>
+              <a:t>on();</a:t>
+            </a:r>
+          </a:p>
+          <a:p>
+            <a:r>
+              <a:rPr lang="en-US" dirty="0" smtClean="0"/>
+              <a:t>  </a:t>
+            </a:r>
+            <a:r>
+              <a:rPr lang="en-US" dirty="0" err="1" smtClean="0"/>
+              <a:t>Cradio</a:t>
+            </a:r>
+            <a:r>
+              <a:rPr lang="en-US" b="1" dirty="0" smtClean="0"/>
+              <a:t>::</a:t>
+            </a:r>
+            <a:r>
+              <a:rPr lang="en-US" dirty="0" smtClean="0"/>
+              <a:t>send();</a:t>
+            </a:r>
+          </a:p>
+          <a:p>
+            <a:r>
+              <a:rPr lang="en-US" dirty="0" smtClean="0"/>
+              <a:t>  </a:t>
+            </a:r>
+            <a:r>
+              <a:rPr lang="en-US" dirty="0" err="1" smtClean="0"/>
+              <a:t>Cradio</a:t>
+            </a:r>
+            <a:r>
+              <a:rPr lang="en-US" b="1" dirty="0" smtClean="0"/>
+              <a:t>::</a:t>
+            </a:r>
+            <a:r>
+              <a:rPr lang="en-US" dirty="0" smtClean="0"/>
+              <a:t>off</a:t>
+            </a:r>
+            <a:r>
+              <a:rPr lang="en-US" dirty="0" smtClean="0"/>
+              <a:t>()</a:t>
+            </a:r>
+            <a:endParaRPr lang="en-US" dirty="0" smtClean="0"/>
+          </a:p>
+          <a:p>
+            <a:r>
+              <a:rPr lang="en-US" b="1" dirty="0" smtClean="0"/>
+              <a:t>end function</a:t>
+            </a:r>
+          </a:p>
+        </p:txBody>
+      </p:sp>
+      <p:sp>
+        <p:nvSpPr>
+          <p:cNvPr id="9" name="Tekstvak 8"/>
+          <p:cNvSpPr txBox="1"/>
+          <p:nvPr/>
+        </p:nvSpPr>
+        <p:spPr>
+          <a:xfrm>
+            <a:off x="5105400" y="2133600"/>
+            <a:ext cx="3429000" cy="2862322"/>
+          </a:xfrm>
+          <a:prstGeom prst="rect">
+            <a:avLst/>
+          </a:prstGeom>
+          <a:solidFill>
+            <a:schemeClr val="accent6">
+              <a:lumMod val="20000"/>
+              <a:lumOff val="80000"/>
+            </a:schemeClr>
+          </a:solidFill>
+        </p:spPr>
+        <p:txBody>
+          <a:bodyPr wrap="square" rtlCol="0">
+            <a:spAutoFit/>
+          </a:bodyPr>
+          <a:lstStyle/>
+          <a:p>
+            <a:pPr>
+              <a:buNone/>
+            </a:pPr>
+            <a:r>
+              <a:rPr lang="en-US" b="1" dirty="0" smtClean="0"/>
+              <a:t>function</a:t>
+            </a:r>
+            <a:r>
+              <a:rPr lang="en-US" dirty="0" smtClean="0"/>
+              <a:t>  </a:t>
+            </a:r>
+            <a:r>
+              <a:rPr lang="en-US" dirty="0" err="1" smtClean="0"/>
+              <a:t>forwardSignals</a:t>
+            </a:r>
+            <a:r>
+              <a:rPr lang="en-US" dirty="0" smtClean="0"/>
+              <a:t>(N)</a:t>
+            </a:r>
+          </a:p>
+          <a:p>
+            <a:pPr>
+              <a:buNone/>
+            </a:pPr>
+            <a:r>
+              <a:rPr lang="en-US" b="1" dirty="0" smtClean="0"/>
+              <a:t>  while</a:t>
+            </a:r>
+            <a:r>
+              <a:rPr lang="en-US" dirty="0" smtClean="0"/>
+              <a:t> </a:t>
+            </a:r>
+            <a:r>
+              <a:rPr lang="en-US" dirty="0" smtClean="0"/>
+              <a:t>N &gt; 0 </a:t>
+            </a:r>
+            <a:r>
+              <a:rPr lang="en-US" b="1" dirty="0" smtClean="0"/>
+              <a:t>bound</a:t>
+            </a:r>
+            <a:r>
+              <a:rPr lang="en-US" dirty="0" smtClean="0"/>
+              <a:t> N </a:t>
+            </a:r>
+            <a:r>
+              <a:rPr lang="en-US" b="1" dirty="0" smtClean="0"/>
+              <a:t>do</a:t>
+            </a:r>
+          </a:p>
+          <a:p>
+            <a:pPr>
+              <a:buNone/>
+            </a:pPr>
+            <a:r>
+              <a:rPr lang="en-US" dirty="0" smtClean="0"/>
+              <a:t>    X </a:t>
+            </a:r>
+            <a:r>
+              <a:rPr lang="en-US" b="1" dirty="0" smtClean="0"/>
+              <a:t>:=</a:t>
+            </a:r>
+            <a:r>
+              <a:rPr lang="en-US" dirty="0" smtClean="0"/>
+              <a:t> sensor</a:t>
+            </a:r>
+            <a:r>
+              <a:rPr lang="en-US" b="1" dirty="0" smtClean="0"/>
+              <a:t>::</a:t>
+            </a:r>
+            <a:r>
+              <a:rPr lang="en-US" dirty="0" smtClean="0"/>
+              <a:t>m();</a:t>
+            </a:r>
+          </a:p>
+          <a:p>
+            <a:pPr>
+              <a:buNone/>
+            </a:pPr>
+            <a:r>
+              <a:rPr lang="en-US" dirty="0" smtClean="0"/>
+              <a:t>    radio</a:t>
+            </a:r>
+            <a:r>
+              <a:rPr lang="en-US" b="1" dirty="0" smtClean="0"/>
+              <a:t>::</a:t>
+            </a:r>
+            <a:r>
+              <a:rPr lang="en-US" dirty="0" smtClean="0"/>
+              <a:t>queue(X);</a:t>
+            </a:r>
+          </a:p>
+          <a:p>
+            <a:pPr>
+              <a:buNone/>
+            </a:pPr>
+            <a:r>
+              <a:rPr lang="en-US" dirty="0" smtClean="0">
+                <a:solidFill>
+                  <a:srgbClr val="FF0000"/>
+                </a:solidFill>
+              </a:rPr>
+              <a:t> </a:t>
+            </a:r>
+            <a:r>
+              <a:rPr lang="en-US" dirty="0" smtClean="0">
+                <a:solidFill>
+                  <a:srgbClr val="FF0000"/>
+                </a:solidFill>
+              </a:rPr>
+              <a:t>   radio</a:t>
+            </a:r>
+            <a:r>
+              <a:rPr lang="en-US" b="1" dirty="0" smtClean="0">
+                <a:solidFill>
+                  <a:srgbClr val="FF0000"/>
+                </a:solidFill>
+              </a:rPr>
+              <a:t>::</a:t>
+            </a:r>
+            <a:r>
+              <a:rPr lang="en-US" dirty="0" smtClean="0">
+                <a:solidFill>
+                  <a:srgbClr val="FF0000"/>
+                </a:solidFill>
+              </a:rPr>
+              <a:t>on</a:t>
+            </a:r>
+            <a:r>
+              <a:rPr lang="en-US" dirty="0" smtClean="0">
+                <a:solidFill>
+                  <a:srgbClr val="FF0000"/>
+                </a:solidFill>
+              </a:rPr>
+              <a:t>();</a:t>
+            </a:r>
+          </a:p>
+          <a:p>
+            <a:pPr>
+              <a:buNone/>
+            </a:pPr>
+            <a:r>
+              <a:rPr lang="en-US" dirty="0" smtClean="0"/>
+              <a:t> </a:t>
+            </a:r>
+            <a:r>
+              <a:rPr lang="en-US" dirty="0" smtClean="0"/>
+              <a:t>   </a:t>
+            </a:r>
+            <a:r>
+              <a:rPr lang="en-US" dirty="0" smtClean="0"/>
+              <a:t>radio</a:t>
+            </a:r>
+            <a:r>
+              <a:rPr lang="en-US" b="1" dirty="0" smtClean="0"/>
+              <a:t>::</a:t>
+            </a:r>
+            <a:r>
+              <a:rPr lang="en-US" dirty="0" smtClean="0"/>
+              <a:t>send</a:t>
+            </a:r>
+            <a:r>
+              <a:rPr lang="en-US" dirty="0" smtClean="0"/>
+              <a:t>();</a:t>
+            </a:r>
+          </a:p>
+          <a:p>
+            <a:r>
+              <a:rPr lang="en-US" dirty="0" smtClean="0">
+                <a:solidFill>
+                  <a:srgbClr val="FF0000"/>
+                </a:solidFill>
+              </a:rPr>
+              <a:t> </a:t>
+            </a:r>
+            <a:r>
+              <a:rPr lang="en-US" dirty="0" smtClean="0">
+                <a:solidFill>
+                  <a:srgbClr val="FF0000"/>
+                </a:solidFill>
+              </a:rPr>
+              <a:t>   </a:t>
+            </a:r>
+            <a:r>
+              <a:rPr lang="en-US" dirty="0" smtClean="0">
+                <a:solidFill>
+                  <a:srgbClr val="FF0000"/>
+                </a:solidFill>
+              </a:rPr>
+              <a:t>radio</a:t>
+            </a:r>
+            <a:r>
+              <a:rPr lang="en-US" b="1" dirty="0" smtClean="0">
+                <a:solidFill>
+                  <a:srgbClr val="FF0000"/>
+                </a:solidFill>
+              </a:rPr>
+              <a:t>::</a:t>
+            </a:r>
+            <a:r>
+              <a:rPr lang="en-US" dirty="0" smtClean="0">
+                <a:solidFill>
+                  <a:srgbClr val="FF0000"/>
+                </a:solidFill>
+              </a:rPr>
+              <a:t>off</a:t>
+            </a:r>
+            <a:r>
+              <a:rPr lang="en-US" dirty="0" smtClean="0">
+                <a:solidFill>
+                  <a:srgbClr val="FF0000"/>
+                </a:solidFill>
+              </a:rPr>
+              <a:t>();</a:t>
+            </a:r>
+            <a:endParaRPr lang="en-US" dirty="0" smtClean="0">
+              <a:solidFill>
+                <a:srgbClr val="FF0000"/>
+              </a:solidFill>
+            </a:endParaRPr>
+          </a:p>
+          <a:p>
+            <a:pPr>
+              <a:buNone/>
+            </a:pPr>
+            <a:r>
+              <a:rPr lang="en-US" dirty="0" smtClean="0"/>
+              <a:t>    N </a:t>
+            </a:r>
+            <a:r>
+              <a:rPr lang="en-US" b="1" dirty="0" smtClean="0"/>
+              <a:t>:=</a:t>
+            </a:r>
+            <a:r>
+              <a:rPr lang="en-US" dirty="0" smtClean="0"/>
+              <a:t> N-1</a:t>
+            </a:r>
+          </a:p>
+          <a:p>
+            <a:pPr>
+              <a:buNone/>
+            </a:pPr>
+            <a:r>
+              <a:rPr lang="en-US" dirty="0" smtClean="0"/>
+              <a:t>  </a:t>
+            </a:r>
+            <a:r>
+              <a:rPr lang="en-US" b="1" dirty="0" smtClean="0"/>
+              <a:t>end </a:t>
+            </a:r>
+            <a:r>
+              <a:rPr lang="en-US" b="1" dirty="0" smtClean="0"/>
+              <a:t>while</a:t>
+            </a:r>
+            <a:endParaRPr lang="en-US" b="1" dirty="0" smtClean="0"/>
+          </a:p>
+          <a:p>
+            <a:pPr>
+              <a:buNone/>
+            </a:pPr>
+            <a:r>
+              <a:rPr lang="en-US" b="1" dirty="0" smtClean="0"/>
+              <a:t>end </a:t>
+            </a:r>
+            <a:r>
+              <a:rPr lang="en-US" b="1" dirty="0" smtClean="0"/>
+              <a:t>function</a:t>
+            </a:r>
+          </a:p>
+        </p:txBody>
+      </p:sp>
     </p:spTree>
   </p:cSld>
   <p:clrMapOvr>
     <a:masterClrMapping/>
   </p:clrMapOvr>
+  <p:transition/>
   <p:timing>
     <p:tnLst>
       <p:par>
@@ -4512,7 +6468,7 @@
           <a:p>
             <a:r>
               <a:rPr lang="en-US" dirty="0" smtClean="0"/>
-              <a:t>Follow our progress!</a:t>
+              <a:t>Planning and organization</a:t>
             </a:r>
             <a:endParaRPr lang="en-US" dirty="0"/>
           </a:p>
@@ -4530,52 +6486,82 @@
         </p:nvSpPr>
         <p:spPr/>
         <p:txBody>
-          <a:bodyPr/>
-          <a:lstStyle/>
-          <a:p>
-            <a:pPr algn="ctr">
-              <a:buNone/>
-            </a:pPr>
-            <a:endParaRPr lang="en-US" cap="small" dirty="0" smtClean="0"/>
-          </a:p>
-          <a:p>
-            <a:pPr algn="ctr">
-              <a:buNone/>
-            </a:pPr>
-            <a:endParaRPr lang="en-US" cap="small" dirty="0" smtClean="0"/>
-          </a:p>
-          <a:p>
-            <a:pPr algn="ctr">
-              <a:buNone/>
-            </a:pPr>
-            <a:r>
-              <a:rPr lang="en-US" cap="small" dirty="0" err="1" smtClean="0"/>
-              <a:t>ecalogic</a:t>
-            </a:r>
-            <a:r>
-              <a:rPr lang="en-US" dirty="0" smtClean="0"/>
-              <a:t> is open source</a:t>
-            </a:r>
-          </a:p>
-          <a:p>
-            <a:pPr algn="ctr">
-              <a:buNone/>
-            </a:pPr>
-            <a:r>
-              <a:rPr lang="en-US" sz="2400" dirty="0" smtClean="0">
-                <a:latin typeface="Consolas" pitchFamily="49" charset="0"/>
-                <a:cs typeface="Consolas" pitchFamily="49" charset="0"/>
-                <a:hlinkClick r:id="rId2"/>
-              </a:rPr>
-              <a:t>http://tiny.cc/ecalogic</a:t>
-            </a:r>
-            <a:endParaRPr lang="en-US" sz="2400" dirty="0" smtClean="0">
-              <a:latin typeface="Consolas" pitchFamily="49" charset="0"/>
-              <a:cs typeface="Consolas" pitchFamily="49" charset="0"/>
-            </a:endParaRPr>
-          </a:p>
-          <a:p>
-            <a:pPr algn="ctr"/>
+          <a:bodyPr>
+            <a:normAutofit lnSpcReduction="10000"/>
+          </a:bodyPr>
+          <a:lstStyle/>
+          <a:p>
+            <a:r>
+              <a:rPr lang="en-US" dirty="0" smtClean="0"/>
+              <a:t>Moving target</a:t>
+            </a:r>
+          </a:p>
+          <a:p>
+            <a:pPr lvl="1"/>
+            <a:r>
+              <a:rPr lang="en-US" dirty="0" smtClean="0"/>
+              <a:t>Open </a:t>
+            </a:r>
+            <a:r>
+              <a:rPr lang="en-US" dirty="0" smtClean="0"/>
+              <a:t>for changes</a:t>
+            </a:r>
+          </a:p>
+          <a:p>
+            <a:pPr lvl="1"/>
+            <a:r>
+              <a:rPr lang="en-US" dirty="0" smtClean="0"/>
+              <a:t>Bi-weekly meeting with </a:t>
+            </a:r>
+            <a:r>
+              <a:rPr lang="en-US" dirty="0" smtClean="0"/>
+              <a:t>researcher</a:t>
+            </a:r>
+          </a:p>
+          <a:p>
+            <a:pPr lvl="2"/>
+            <a:r>
+              <a:rPr lang="en-US" dirty="0" smtClean="0"/>
+              <a:t>Errors in paper</a:t>
+            </a:r>
+            <a:br>
+              <a:rPr lang="en-US" dirty="0" smtClean="0"/>
+            </a:br>
+            <a:r>
+              <a:rPr lang="en-US" dirty="0" smtClean="0"/>
+              <a:t>Type </a:t>
+            </a:r>
+            <a:r>
+              <a:rPr lang="en-US" dirty="0" smtClean="0"/>
+              <a:t>system -&gt; Hoare logic</a:t>
+            </a:r>
+          </a:p>
+          <a:p>
+            <a:r>
+              <a:rPr lang="en-US" dirty="0" smtClean="0"/>
+              <a:t>Programming practice</a:t>
+            </a:r>
+          </a:p>
+          <a:p>
+            <a:pPr lvl="1"/>
+            <a:r>
+              <a:rPr lang="en-US" dirty="0" smtClean="0"/>
+              <a:t>Pair programming</a:t>
+            </a:r>
+          </a:p>
+          <a:p>
+            <a:pPr lvl="1"/>
+            <a:r>
+              <a:rPr lang="en-US" dirty="0" smtClean="0"/>
+              <a:t>Deliver working code</a:t>
+            </a:r>
+          </a:p>
+          <a:p>
+            <a:pPr lvl="1"/>
+            <a:r>
+              <a:rPr lang="en-US" dirty="0" smtClean="0"/>
+              <a:t>Automatic test cases</a:t>
+            </a:r>
             <a:endParaRPr lang="en-US" dirty="0"/>
           </a:p>
         </p:txBody>
@@ -4598,7 +6584,7 @@
             <a:fld id="{129DA8D8-2909-42F5-9CB3-511E6201B144}" type="datetime1">
               <a:rPr lang="nl-NL" smtClean="0"/>
               <a:pPr/>
-              <a:t>3-10-2013</a:t>
+              <a:t>4-10-2013</a:t>
             </a:fld>
             <a:endParaRPr lang="nl-NL" dirty="0"/>
           </a:p>
@@ -4656,41 +6642,6 @@
               <a:t>5</a:t>
             </a:fld>
             <a:endParaRPr lang="nl-NL"/>
-          </a:p>
-        </p:txBody>
-      </p:sp>
-      <p:sp>
-        <p:nvSpPr>
-          <p:cNvPr id="7" name="Tekstvak 6"/>
-          <p:cNvSpPr txBox="1"/>
-          <p:nvPr/>
-        </p:nvSpPr>
-        <p:spPr>
-          <a:xfrm rot="1383228">
-            <a:off x="9472133" y="3338820"/>
-            <a:ext cx="1981200" cy="523220"/>
-          </a:xfrm>
-          <a:prstGeom prst="rect">
-            <a:avLst/>
-          </a:prstGeom>
-          <a:solidFill>
-            <a:schemeClr val="accent3">
-              <a:lumMod val="40000"/>
-              <a:lumOff val="60000"/>
-            </a:schemeClr>
-          </a:solidFill>
-        </p:spPr>
-        <p:txBody>
-          <a:bodyPr wrap="square" rtlCol="0">
-            <a:spAutoFit/>
-          </a:bodyPr>
-          <a:lstStyle/>
-          <a:p>
-            <a:r>
-              <a:rPr lang="en-US" sz="2800" dirty="0" smtClean="0"/>
-              <a:t>Questions?!</a:t>
-            </a:r>
-            <a:endParaRPr lang="en-US" sz="2800" dirty="0"/>
           </a:p>
         </p:txBody>
       </p:sp>
@@ -4702,75 +6653,205 @@
   <p:timing>
     <p:tnLst>
       <p:par>
-        <p:cTn id="1" dur="indefinite" restart="never" nodeType="tmRoot">
-          <p:childTnLst>
-            <p:seq concurrent="1" nextAc="seek">
-              <p:cTn id="2" dur="indefinite" nodeType="mainSeq">
-                <p:childTnLst>
-                  <p:par>
-                    <p:cTn id="3" fill="hold">
-                      <p:stCondLst>
-                        <p:cond delay="indefinite"/>
-                      </p:stCondLst>
-                      <p:childTnLst>
-                        <p:par>
-                          <p:cTn id="4" fill="hold">
-                            <p:stCondLst>
-                              <p:cond delay="0"/>
-                            </p:stCondLst>
-                            <p:childTnLst>
-                              <p:par>
-                                <p:cTn id="5" presetID="0" presetClass="path" presetSubtype="0" accel="50000" decel="50000" fill="hold" grpId="0" nodeType="clickEffect">
-                                  <p:stCondLst>
-                                    <p:cond delay="0"/>
-                                  </p:stCondLst>
-                                  <p:childTnLst>
-                                    <p:animMotion origin="layout" path="M 3.33333E-6 -3.03262E-6 C -0.09358 -0.05598 -0.39254 -0.34767 -0.5592 -0.33726 C -0.72587 -0.32685 -0.90834 -0.02012 -1 0.06315 " pathEditMode="relative" rAng="0" ptsTypes="aaa">
-                                      <p:cBhvr>
-                                        <p:cTn id="6" dur="2000" fill="hold"/>
-                                        <p:tgtEl>
-                                          <p:spTgt spid="7"/>
-                                        </p:tgtEl>
-                                        <p:attrNameLst>
-                                          <p:attrName>ppt_x</p:attrName>
-                                          <p:attrName>ppt_y</p:attrName>
-                                        </p:attrNameLst>
-                                      </p:cBhvr>
-                                      <p:rCtr x="-500" y="-142"/>
-                                    </p:animMotion>
-                                  </p:childTnLst>
-                                </p:cTn>
-                              </p:par>
-                            </p:childTnLst>
-                          </p:cTn>
-                        </p:par>
-                      </p:childTnLst>
-                    </p:cTn>
-                  </p:par>
-                </p:childTnLst>
-              </p:cTn>
-              <p:prevCondLst>
-                <p:cond evt="onPrev" delay="0">
-                  <p:tgtEl>
-                    <p:sldTgt/>
-                  </p:tgtEl>
-                </p:cond>
-              </p:prevCondLst>
-              <p:nextCondLst>
-                <p:cond evt="onNext" delay="0">
-                  <p:tgtEl>
-                    <p:sldTgt/>
-                  </p:tgtEl>
-                </p:cond>
-              </p:nextCondLst>
-            </p:seq>
-          </p:childTnLst>
-        </p:cTn>
+        <p:cTn id="1" dur="indefinite" restart="never" nodeType="tmRoot"/>
       </p:par>
     </p:tnLst>
-    <p:bldLst>
-      <p:bldP spid="7" grpId="0" animBg="1"/>
-    </p:bldLst>
+  </p:timing>
+</p:sld>
+</file>
+
+<file path=ppt/slides/slide6.xml><?xml version="1.0" encoding="utf-8"?>
+<p:sld xmlns:a="http://schemas.openxmlformats.org/drawingml/2006/main" xmlns:r="http://schemas.openxmlformats.org/officeDocument/2006/relationships" xmlns:p="http://schemas.openxmlformats.org/presentationml/2006/main">
+  <p:cSld>
+    <p:spTree>
+      <p:nvGrpSpPr>
+        <p:cNvPr id="1" name=""/>
+        <p:cNvGrpSpPr/>
+        <p:nvPr/>
+      </p:nvGrpSpPr>
+      <p:grpSpPr>
+        <a:xfrm>
+          <a:off x="0" y="0"/>
+          <a:ext cx="0" cy="0"/>
+          <a:chOff x="0" y="0"/>
+          <a:chExt cx="0" cy="0"/>
+        </a:xfrm>
+      </p:grpSpPr>
+      <p:sp>
+        <p:nvSpPr>
+          <p:cNvPr id="2" name="Titel 1"/>
+          <p:cNvSpPr>
+            <a:spLocks noGrp="1"/>
+          </p:cNvSpPr>
+          <p:nvPr>
+            <p:ph type="title"/>
+          </p:nvPr>
+        </p:nvSpPr>
+        <p:spPr/>
+        <p:txBody>
+          <a:bodyPr/>
+          <a:lstStyle/>
+          <a:p>
+            <a:r>
+              <a:rPr lang="en-US" dirty="0" smtClean="0"/>
+              <a:t>Follow our progress!</a:t>
+            </a:r>
+            <a:endParaRPr lang="en-US" dirty="0"/>
+          </a:p>
+        </p:txBody>
+      </p:sp>
+      <p:sp>
+        <p:nvSpPr>
+          <p:cNvPr id="3" name="Tijdelijke aanduiding voor inhoud 2"/>
+          <p:cNvSpPr>
+            <a:spLocks noGrp="1"/>
+          </p:cNvSpPr>
+          <p:nvPr>
+            <p:ph idx="1"/>
+          </p:nvPr>
+        </p:nvSpPr>
+        <p:spPr/>
+        <p:txBody>
+          <a:bodyPr/>
+          <a:lstStyle/>
+          <a:p>
+            <a:pPr algn="ctr">
+              <a:buNone/>
+            </a:pPr>
+            <a:endParaRPr lang="en-US" cap="small" dirty="0" smtClean="0"/>
+          </a:p>
+          <a:p>
+            <a:pPr algn="ctr">
+              <a:buNone/>
+            </a:pPr>
+            <a:endParaRPr lang="en-US" cap="small" dirty="0" smtClean="0"/>
+          </a:p>
+          <a:p>
+            <a:pPr algn="ctr">
+              <a:buNone/>
+            </a:pPr>
+            <a:r>
+              <a:rPr lang="en-US" cap="small" dirty="0" err="1" smtClean="0"/>
+              <a:t>ecalogic</a:t>
+            </a:r>
+            <a:r>
+              <a:rPr lang="en-US" dirty="0" smtClean="0"/>
+              <a:t> is open source</a:t>
+            </a:r>
+          </a:p>
+          <a:p>
+            <a:pPr algn="ctr">
+              <a:buNone/>
+            </a:pPr>
+            <a:r>
+              <a:rPr lang="en-US" sz="2400" dirty="0" smtClean="0">
+                <a:latin typeface="Consolas" pitchFamily="49" charset="0"/>
+                <a:cs typeface="Consolas" pitchFamily="49" charset="0"/>
+                <a:hlinkClick r:id="rId3"/>
+              </a:rPr>
+              <a:t>http://tiny.cc/ecalogic</a:t>
+            </a:r>
+            <a:endParaRPr lang="en-US" sz="2400" dirty="0" smtClean="0">
+              <a:latin typeface="Consolas" pitchFamily="49" charset="0"/>
+              <a:cs typeface="Consolas" pitchFamily="49" charset="0"/>
+            </a:endParaRPr>
+          </a:p>
+          <a:p>
+            <a:pPr algn="ctr"/>
+            <a:endParaRPr lang="en-US" dirty="0"/>
+          </a:p>
+        </p:txBody>
+      </p:sp>
+      <p:sp>
+        <p:nvSpPr>
+          <p:cNvPr id="4" name="Tijdelijke aanduiding voor datum 3"/>
+          <p:cNvSpPr>
+            <a:spLocks noGrp="1"/>
+          </p:cNvSpPr>
+          <p:nvPr>
+            <p:ph type="dt" sz="half" idx="10"/>
+          </p:nvPr>
+        </p:nvSpPr>
+        <p:spPr/>
+        <p:txBody>
+          <a:bodyPr/>
+          <a:lstStyle/>
+          <a:p>
+            <a:fld id="{129DA8D8-2909-42F5-9CB3-511E6201B144}" type="datetime1">
+              <a:rPr lang="nl-NL" smtClean="0"/>
+              <a:pPr/>
+              <a:t>4-10-2013</a:t>
+            </a:fld>
+            <a:endParaRPr lang="nl-NL" dirty="0"/>
+          </a:p>
+        </p:txBody>
+      </p:sp>
+      <p:sp>
+        <p:nvSpPr>
+          <p:cNvPr id="5" name="Tijdelijke aanduiding voor voettekst 4"/>
+          <p:cNvSpPr>
+            <a:spLocks noGrp="1"/>
+          </p:cNvSpPr>
+          <p:nvPr>
+            <p:ph type="ftr" sz="quarter" idx="11"/>
+          </p:nvPr>
+        </p:nvSpPr>
+        <p:spPr/>
+        <p:txBody>
+          <a:bodyPr/>
+          <a:lstStyle/>
+          <a:p>
+            <a:r>
+              <a:rPr lang="nl-NL" dirty="0" err="1" smtClean="0"/>
+              <a:t>GiPHouse</a:t>
+            </a:r>
+            <a:r>
+              <a:rPr lang="nl-NL" dirty="0" smtClean="0"/>
+              <a:t> </a:t>
+            </a:r>
+            <a:r>
+              <a:rPr lang="nl-NL" dirty="0" err="1" smtClean="0"/>
+              <a:t>opensource</a:t>
+            </a:r>
+            <a:endParaRPr lang="nl-NL" dirty="0"/>
+          </a:p>
+        </p:txBody>
+      </p:sp>
+      <p:sp>
+        <p:nvSpPr>
+          <p:cNvPr id="6" name="Tijdelijke aanduiding voor dianummer 5"/>
+          <p:cNvSpPr>
+            <a:spLocks noGrp="1"/>
+          </p:cNvSpPr>
+          <p:nvPr>
+            <p:ph type="sldNum" sz="quarter" idx="12"/>
+          </p:nvPr>
+        </p:nvSpPr>
+        <p:spPr/>
+        <p:txBody>
+          <a:bodyPr/>
+          <a:lstStyle/>
+          <a:p>
+            <a:fld id="{7F31E919-BDE1-4A34-958B-6DA6B903A39E}" type="slidenum">
+              <a:rPr lang="nl-NL" smtClean="0"/>
+              <a:pPr/>
+              <a:t>6</a:t>
+            </a:fld>
+            <a:endParaRPr lang="nl-NL"/>
+          </a:p>
+        </p:txBody>
+      </p:sp>
+    </p:spTree>
+  </p:cSld>
+  <p:clrMapOvr>
+    <a:masterClrMapping/>
+  </p:clrMapOvr>
+  <p:timing>
+    <p:tnLst>
+      <p:par>
+        <p:cTn id="1" dur="indefinite" restart="never" nodeType="tmRoot"/>
+      </p:par>
+    </p:tnLst>
   </p:timing>
 </p:sld>
 </file>

--- a/doc/ppt/Energie2013Presentaiton1.pptx
+++ b/doc/ppt/Energie2013Presentaiton1.pptx
@@ -608,8 +608,33 @@
           <a:p>
             <a:r>
               <a:rPr lang="en-US" dirty="0" smtClean="0"/>
-              <a:t>Energy analysis</a:t>
-            </a:r>
+              <a:t>Energy </a:t>
+            </a:r>
+            <a:r>
+              <a:rPr lang="en-US" dirty="0" smtClean="0"/>
+              <a:t>analysis</a:t>
+            </a:r>
+          </a:p>
+          <a:p>
+            <a:r>
+              <a:rPr lang="en-US" dirty="0" smtClean="0"/>
+              <a:t>	</a:t>
+            </a:r>
+            <a:r>
+              <a:rPr lang="en-US" dirty="0" err="1" smtClean="0"/>
+              <a:t>Embeded</a:t>
+            </a:r>
+            <a:r>
+              <a:rPr lang="en-US" baseline="0" dirty="0" smtClean="0"/>
+              <a:t> systems but also complex systems like servers</a:t>
+            </a:r>
+          </a:p>
+          <a:p>
+            <a:r>
+              <a:rPr lang="en-US" baseline="0" dirty="0" smtClean="0"/>
+              <a:t>	Assume hardware is fixed and only software influence consumption</a:t>
+            </a:r>
+            <a:endParaRPr lang="en-US" dirty="0" smtClean="0"/>
           </a:p>
           <a:p>
             <a:r>
@@ -672,11 +697,7 @@
             </a:r>
             <a:r>
               <a:rPr lang="en-US" baseline="0" dirty="0" smtClean="0"/>
-              <a:t> analyze</a:t>
-            </a:r>
-            <a:r>
-              <a:rPr lang="en-US" baseline="0" dirty="0" smtClean="0"/>
-              <a:t>)</a:t>
+              <a:t> analyze)</a:t>
             </a:r>
             <a:endParaRPr lang="en-US" dirty="0" smtClean="0"/>
           </a:p>
@@ -4632,8 +4653,9 @@
             </a:r>
             <a:r>
               <a:rPr lang="en-US" dirty="0" smtClean="0"/>
-              <a:t>analysis</a:t>
-            </a:r>
+              <a:t>analysis of software</a:t>
+            </a:r>
+            <a:endParaRPr lang="en-US" dirty="0" smtClean="0"/>
           </a:p>
           <a:p>
             <a:pPr lvl="1"/>
@@ -4866,11 +4888,7 @@
             </a:r>
             <a:r>
               <a:rPr lang="nl-NL" dirty="0" err="1" smtClean="0"/>
-              <a:t>exampl</a:t>
-            </a:r>
-            <a:r>
-              <a:rPr lang="nl-NL" dirty="0" err="1" smtClean="0"/>
-              <a:t>e</a:t>
+              <a:t>example</a:t>
             </a:r>
             <a:endParaRPr lang="nl-NL" dirty="0"/>
           </a:p>
@@ -4961,13 +4979,8 @@
             </a:r>
             <a:r>
               <a:rPr lang="en-US" dirty="0" smtClean="0"/>
-              <a:t>on</a:t>
-            </a:r>
-            <a:r>
-              <a:rPr lang="en-US" dirty="0" smtClean="0"/>
-              <a:t>();</a:t>
-            </a:r>
-            <a:endParaRPr lang="en-US" dirty="0" smtClean="0"/>
+              <a:t>on();</a:t>
+            </a:r>
           </a:p>
           <a:p>
             <a:pPr>
@@ -5166,11 +5179,7 @@
             </a:r>
             <a:r>
               <a:rPr lang="en-US" dirty="0" smtClean="0"/>
-              <a:t> </a:t>
-            </a:r>
-            <a:r>
-              <a:rPr lang="en-US" dirty="0" smtClean="0"/>
-              <a:t>(N+9)/10 </a:t>
+              <a:t> (N+9)/10 </a:t>
             </a:r>
             <a:r>
               <a:rPr lang="en-US" b="1" dirty="0" smtClean="0"/>
@@ -5180,11 +5189,7 @@
           <a:p>
             <a:r>
               <a:rPr lang="en-US" dirty="0" smtClean="0"/>
-              <a:t>  </a:t>
-            </a:r>
-            <a:r>
-              <a:rPr lang="en-US" dirty="0" smtClean="0"/>
-              <a:t>I </a:t>
+              <a:t>  I </a:t>
             </a:r>
             <a:r>
               <a:rPr lang="en-US" b="1" dirty="0" smtClean="0"/>
@@ -5206,19 +5211,7 @@
             </a:r>
             <a:r>
               <a:rPr lang="en-US" dirty="0" smtClean="0"/>
-              <a:t> </a:t>
-            </a:r>
-            <a:r>
-              <a:rPr lang="en-US" dirty="0" smtClean="0"/>
-              <a:t>I </a:t>
-            </a:r>
-            <a:r>
-              <a:rPr lang="en-US" dirty="0" smtClean="0"/>
-              <a:t>&gt; </a:t>
-            </a:r>
-            <a:r>
-              <a:rPr lang="en-US" dirty="0" smtClean="0"/>
-              <a:t>0 </a:t>
+              <a:t> I &gt; 0 </a:t>
             </a:r>
             <a:r>
               <a:rPr lang="en-US" b="1" dirty="0" smtClean="0"/>
@@ -5234,26 +5227,17 @@
             </a:r>
             <a:r>
               <a:rPr lang="en-US" dirty="0" smtClean="0"/>
-              <a:t> </a:t>
-            </a:r>
-            <a:r>
-              <a:rPr lang="en-US" dirty="0" smtClean="0"/>
-              <a:t>I </a:t>
+              <a:t> I </a:t>
             </a:r>
             <a:r>
               <a:rPr lang="en-US" b="1" dirty="0" smtClean="0"/>
               <a:t>do</a:t>
             </a:r>
-            <a:endParaRPr lang="en-US" b="1" dirty="0" smtClean="0"/>
-          </a:p>
-          <a:p>
-            <a:r>
-              <a:rPr lang="en-US" dirty="0" smtClean="0"/>
-              <a:t>    </a:t>
-            </a:r>
-            <a:r>
-              <a:rPr lang="en-US" dirty="0" smtClean="0"/>
-              <a:t>X </a:t>
+          </a:p>
+          <a:p>
+            <a:r>
+              <a:rPr lang="en-US" dirty="0" smtClean="0"/>
+              <a:t>    X </a:t>
             </a:r>
             <a:r>
               <a:rPr lang="en-US" b="1" dirty="0" smtClean="0"/>
@@ -5285,16 +5269,11 @@
               <a:rPr lang="en-US" dirty="0" smtClean="0"/>
               <a:t>queue(X);</a:t>
             </a:r>
-            <a:endParaRPr lang="en-US" dirty="0" smtClean="0"/>
-          </a:p>
-          <a:p>
-            <a:r>
-              <a:rPr lang="en-US" dirty="0" smtClean="0"/>
-              <a:t>    </a:t>
-            </a:r>
-            <a:r>
-              <a:rPr lang="en-US" dirty="0" smtClean="0"/>
-              <a:t>I </a:t>
+          </a:p>
+          <a:p>
+            <a:r>
+              <a:rPr lang="en-US" dirty="0" smtClean="0"/>
+              <a:t>    I </a:t>
             </a:r>
             <a:r>
               <a:rPr lang="en-US" b="1" dirty="0" smtClean="0"/>
@@ -5302,15 +5281,7 @@
             </a:r>
             <a:r>
               <a:rPr lang="en-US" dirty="0" smtClean="0"/>
-              <a:t> </a:t>
-            </a:r>
-            <a:r>
-              <a:rPr lang="en-US" dirty="0" smtClean="0"/>
-              <a:t>I </a:t>
-            </a:r>
-            <a:r>
-              <a:rPr lang="en-US" dirty="0" smtClean="0"/>
-              <a:t>- 1;</a:t>
+              <a:t> I - 1;</a:t>
             </a:r>
           </a:p>
           <a:p>
@@ -5324,17 +5295,8 @@
             </a:r>
             <a:r>
               <a:rPr lang="en-US" dirty="0" smtClean="0"/>
-              <a:t> </a:t>
-            </a:r>
-            <a:r>
-              <a:rPr lang="en-US" dirty="0" smtClean="0"/>
-              <a:t>N - </a:t>
-            </a:r>
-            <a:r>
-              <a:rPr lang="en-US" dirty="0" smtClean="0"/>
-              <a:t>1</a:t>
-            </a:r>
-            <a:endParaRPr lang="en-US" dirty="0" smtClean="0"/>
+              <a:t> N - 1</a:t>
+            </a:r>
           </a:p>
           <a:p>
             <a:r>
@@ -5397,13 +5359,8 @@
             </a:r>
             <a:r>
               <a:rPr lang="en-US" dirty="0" smtClean="0"/>
-              <a:t>off</a:t>
-            </a:r>
-            <a:r>
-              <a:rPr lang="en-US" dirty="0" smtClean="0"/>
-              <a:t>()</a:t>
-            </a:r>
-            <a:endParaRPr lang="en-US" dirty="0" smtClean="0"/>
+              <a:t>off()</a:t>
+            </a:r>
           </a:p>
           <a:p>
             <a:r>
@@ -5542,11 +5499,7 @@
             </a:r>
             <a:r>
               <a:rPr lang="nl-NL" dirty="0" smtClean="0"/>
-              <a:t> </a:t>
-            </a:r>
-            <a:r>
-              <a:rPr lang="nl-NL" dirty="0" smtClean="0"/>
-              <a:t>demo</a:t>
+              <a:t> demo</a:t>
             </a:r>
             <a:endParaRPr lang="nl-NL" dirty="0"/>
           </a:p>
@@ -5649,21 +5602,8 @@
                   <a:srgbClr val="FF0000"/>
                 </a:solidFill>
               </a:rPr>
-              <a:t>on</a:t>
-            </a:r>
-            <a:r>
-              <a:rPr lang="en-US" dirty="0" smtClean="0">
-                <a:solidFill>
-                  <a:srgbClr val="FF0000"/>
-                </a:solidFill>
-              </a:rPr>
-              <a:t>();</a:t>
-            </a:r>
-            <a:endParaRPr lang="en-US" dirty="0" smtClean="0">
-              <a:solidFill>
-                <a:srgbClr val="FF0000"/>
-              </a:solidFill>
-            </a:endParaRPr>
+              <a:t>on();</a:t>
+            </a:r>
           </a:p>
           <a:p>
             <a:pPr>
@@ -5874,11 +5814,7 @@
             </a:r>
             <a:r>
               <a:rPr lang="en-US" dirty="0" smtClean="0"/>
-              <a:t> </a:t>
-            </a:r>
-            <a:r>
-              <a:rPr lang="en-US" dirty="0" smtClean="0"/>
-              <a:t>(N+9)/10 </a:t>
+              <a:t> (N+9)/10 </a:t>
             </a:r>
             <a:r>
               <a:rPr lang="en-US" b="1" dirty="0" smtClean="0"/>
@@ -5888,11 +5824,7 @@
           <a:p>
             <a:r>
               <a:rPr lang="en-US" dirty="0" smtClean="0"/>
-              <a:t>  </a:t>
-            </a:r>
-            <a:r>
-              <a:rPr lang="en-US" dirty="0" smtClean="0"/>
-              <a:t>I </a:t>
+              <a:t>  I </a:t>
             </a:r>
             <a:r>
               <a:rPr lang="en-US" b="1" dirty="0" smtClean="0"/>
@@ -5914,19 +5846,7 @@
             </a:r>
             <a:r>
               <a:rPr lang="en-US" dirty="0" smtClean="0"/>
-              <a:t> </a:t>
-            </a:r>
-            <a:r>
-              <a:rPr lang="en-US" dirty="0" smtClean="0"/>
-              <a:t>I </a:t>
-            </a:r>
-            <a:r>
-              <a:rPr lang="en-US" dirty="0" smtClean="0"/>
-              <a:t>&gt; </a:t>
-            </a:r>
-            <a:r>
-              <a:rPr lang="en-US" dirty="0" smtClean="0"/>
-              <a:t>0 </a:t>
+              <a:t> I &gt; 0 </a:t>
             </a:r>
             <a:r>
               <a:rPr lang="en-US" b="1" dirty="0" smtClean="0"/>
@@ -5942,26 +5862,17 @@
             </a:r>
             <a:r>
               <a:rPr lang="en-US" dirty="0" smtClean="0"/>
-              <a:t> </a:t>
-            </a:r>
-            <a:r>
-              <a:rPr lang="en-US" dirty="0" smtClean="0"/>
-              <a:t>I </a:t>
+              <a:t> I </a:t>
             </a:r>
             <a:r>
               <a:rPr lang="en-US" b="1" dirty="0" smtClean="0"/>
               <a:t>do</a:t>
             </a:r>
-            <a:endParaRPr lang="en-US" b="1" dirty="0" smtClean="0"/>
-          </a:p>
-          <a:p>
-            <a:r>
-              <a:rPr lang="en-US" dirty="0" smtClean="0"/>
-              <a:t>    </a:t>
-            </a:r>
-            <a:r>
-              <a:rPr lang="en-US" dirty="0" smtClean="0"/>
-              <a:t>X </a:t>
+          </a:p>
+          <a:p>
+            <a:r>
+              <a:rPr lang="en-US" dirty="0" smtClean="0"/>
+              <a:t>    X </a:t>
             </a:r>
             <a:r>
               <a:rPr lang="en-US" b="1" dirty="0" smtClean="0"/>
@@ -5993,16 +5904,11 @@
               <a:rPr lang="en-US" dirty="0" smtClean="0"/>
               <a:t>queue(X);</a:t>
             </a:r>
-            <a:endParaRPr lang="en-US" dirty="0" smtClean="0"/>
-          </a:p>
-          <a:p>
-            <a:r>
-              <a:rPr lang="en-US" dirty="0" smtClean="0"/>
-              <a:t>    </a:t>
-            </a:r>
-            <a:r>
-              <a:rPr lang="en-US" dirty="0" smtClean="0"/>
-              <a:t>I </a:t>
+          </a:p>
+          <a:p>
+            <a:r>
+              <a:rPr lang="en-US" dirty="0" smtClean="0"/>
+              <a:t>    I </a:t>
             </a:r>
             <a:r>
               <a:rPr lang="en-US" b="1" dirty="0" smtClean="0"/>
@@ -6010,15 +5916,7 @@
             </a:r>
             <a:r>
               <a:rPr lang="en-US" dirty="0" smtClean="0"/>
-              <a:t> </a:t>
-            </a:r>
-            <a:r>
-              <a:rPr lang="en-US" dirty="0" smtClean="0"/>
-              <a:t>I </a:t>
-            </a:r>
-            <a:r>
-              <a:rPr lang="en-US" dirty="0" smtClean="0"/>
-              <a:t>- 1;</a:t>
+              <a:t> I - 1;</a:t>
             </a:r>
           </a:p>
           <a:p>
@@ -6032,17 +5930,8 @@
             </a:r>
             <a:r>
               <a:rPr lang="en-US" dirty="0" smtClean="0"/>
-              <a:t> </a:t>
-            </a:r>
-            <a:r>
-              <a:rPr lang="en-US" dirty="0" smtClean="0"/>
-              <a:t>N - </a:t>
-            </a:r>
-            <a:r>
-              <a:rPr lang="en-US" dirty="0" smtClean="0"/>
-              <a:t>1</a:t>
-            </a:r>
-            <a:endParaRPr lang="en-US" dirty="0" smtClean="0"/>
+              <a:t> N - 1</a:t>
+            </a:r>
           </a:p>
           <a:p>
             <a:r>
@@ -6105,13 +5994,8 @@
             </a:r>
             <a:r>
               <a:rPr lang="en-US" dirty="0" smtClean="0"/>
-              <a:t>off</a:t>
-            </a:r>
-            <a:r>
-              <a:rPr lang="en-US" dirty="0" smtClean="0"/>
-              <a:t>()</a:t>
-            </a:r>
-            <a:endParaRPr lang="en-US" dirty="0" smtClean="0"/>
+              <a:t>off()</a:t>
+            </a:r>
           </a:p>
           <a:p>
             <a:r>
@@ -6178,11 +6062,7 @@
             </a:r>
             <a:r>
               <a:rPr lang="en-US" dirty="0" smtClean="0"/>
-              <a:t> </a:t>
-            </a:r>
-            <a:r>
-              <a:rPr lang="en-US" dirty="0" smtClean="0"/>
-              <a:t>N &gt; 0 </a:t>
+              <a:t> N &gt; 0 </a:t>
             </a:r>
             <a:r>
               <a:rPr lang="en-US" b="1" dirty="0" smtClean="0"/>
@@ -6249,15 +6129,7 @@
                   <a:srgbClr val="FF0000"/>
                 </a:solidFill>
               </a:rPr>
-              <a:t> </a:t>
-            </a:r>
-            <a:r>
-              <a:rPr lang="en-US" dirty="0" smtClean="0">
-                <a:solidFill>
-                  <a:srgbClr val="FF0000"/>
-                </a:solidFill>
-              </a:rPr>
-              <a:t>   radio</a:t>
+              <a:t>    radio</a:t>
             </a:r>
             <a:r>
               <a:rPr lang="en-US" b="1" dirty="0" smtClean="0">
@@ -6273,70 +6145,34 @@
                   <a:srgbClr val="FF0000"/>
                 </a:solidFill>
               </a:rPr>
-              <a:t>on</a:t>
-            </a:r>
+              <a:t>on();</a:t>
+            </a:r>
+          </a:p>
+          <a:p>
+            <a:pPr>
+              <a:buNone/>
+            </a:pPr>
+            <a:r>
+              <a:rPr lang="en-US" dirty="0" smtClean="0"/>
+              <a:t>    radio</a:t>
+            </a:r>
+            <a:r>
+              <a:rPr lang="en-US" b="1" dirty="0" smtClean="0"/>
+              <a:t>::</a:t>
+            </a:r>
+            <a:r>
+              <a:rPr lang="en-US" dirty="0" smtClean="0"/>
+              <a:t>send();</a:t>
+            </a:r>
+          </a:p>
+          <a:p>
             <a:r>
               <a:rPr lang="en-US" dirty="0" smtClean="0">
                 <a:solidFill>
                   <a:srgbClr val="FF0000"/>
                 </a:solidFill>
               </a:rPr>
-              <a:t>();</a:t>
-            </a:r>
-          </a:p>
-          <a:p>
-            <a:pPr>
-              <a:buNone/>
-            </a:pPr>
-            <a:r>
-              <a:rPr lang="en-US" dirty="0" smtClean="0"/>
-              <a:t> </a:t>
-            </a:r>
-            <a:r>
-              <a:rPr lang="en-US" dirty="0" smtClean="0"/>
-              <a:t>   </a:t>
-            </a:r>
-            <a:r>
-              <a:rPr lang="en-US" dirty="0" smtClean="0"/>
-              <a:t>radio</a:t>
-            </a:r>
-            <a:r>
-              <a:rPr lang="en-US" b="1" dirty="0" smtClean="0"/>
-              <a:t>::</a:t>
-            </a:r>
-            <a:r>
-              <a:rPr lang="en-US" dirty="0" smtClean="0"/>
-              <a:t>send</a:t>
-            </a:r>
-            <a:r>
-              <a:rPr lang="en-US" dirty="0" smtClean="0"/>
-              <a:t>();</a:t>
-            </a:r>
-          </a:p>
-          <a:p>
-            <a:r>
-              <a:rPr lang="en-US" dirty="0" smtClean="0">
-                <a:solidFill>
-                  <a:srgbClr val="FF0000"/>
-                </a:solidFill>
-              </a:rPr>
-              <a:t> </a:t>
-            </a:r>
-            <a:r>
-              <a:rPr lang="en-US" dirty="0" smtClean="0">
-                <a:solidFill>
-                  <a:srgbClr val="FF0000"/>
-                </a:solidFill>
-              </a:rPr>
-              <a:t>   </a:t>
-            </a:r>
-            <a:r>
-              <a:rPr lang="en-US" dirty="0" smtClean="0">
-                <a:solidFill>
-                  <a:srgbClr val="FF0000"/>
-                </a:solidFill>
-              </a:rPr>
-              <a:t>radio</a:t>
+              <a:t>    radio</a:t>
             </a:r>
             <a:r>
               <a:rPr lang="en-US" b="1" dirty="0" smtClean="0">
@@ -6352,21 +6188,8 @@
                   <a:srgbClr val="FF0000"/>
                 </a:solidFill>
               </a:rPr>
-              <a:t>off</a:t>
-            </a:r>
-            <a:r>
-              <a:rPr lang="en-US" dirty="0" smtClean="0">
-                <a:solidFill>
-                  <a:srgbClr val="FF0000"/>
-                </a:solidFill>
-              </a:rPr>
-              <a:t>();</a:t>
-            </a:r>
-            <a:endParaRPr lang="en-US" dirty="0" smtClean="0">
-              <a:solidFill>
-                <a:srgbClr val="FF0000"/>
-              </a:solidFill>
-            </a:endParaRPr>
+              <a:t>off();</a:t>
+            </a:r>
           </a:p>
           <a:p>
             <a:pPr>
@@ -6395,25 +6218,16 @@
             </a:r>
             <a:r>
               <a:rPr lang="en-US" b="1" dirty="0" smtClean="0"/>
-              <a:t>end </a:t>
-            </a:r>
+              <a:t>end while</a:t>
+            </a:r>
+          </a:p>
+          <a:p>
+            <a:pPr>
+              <a:buNone/>
+            </a:pPr>
             <a:r>
               <a:rPr lang="en-US" b="1" dirty="0" smtClean="0"/>
-              <a:t>while</a:t>
-            </a:r>
-            <a:endParaRPr lang="en-US" b="1" dirty="0" smtClean="0"/>
-          </a:p>
-          <a:p>
-            <a:pPr>
-              <a:buNone/>
-            </a:pPr>
-            <a:r>
-              <a:rPr lang="en-US" b="1" dirty="0" smtClean="0"/>
-              <a:t>end </a:t>
-            </a:r>
-            <a:r>
-              <a:rPr lang="en-US" b="1" dirty="0" smtClean="0"/>
-              <a:t>function</a:t>
+              <a:t>end function</a:t>
             </a:r>
           </a:p>
         </p:txBody>
@@ -6500,22 +6314,14 @@
             <a:pPr lvl="1"/>
             <a:r>
               <a:rPr lang="en-US" dirty="0" smtClean="0"/>
-              <a:t>Open </a:t>
-            </a:r>
-            <a:r>
-              <a:rPr lang="en-US" dirty="0" smtClean="0"/>
-              <a:t>for changes</a:t>
+              <a:t>Open for changes</a:t>
             </a:r>
           </a:p>
           <a:p>
             <a:pPr lvl="1"/>
             <a:r>
               <a:rPr lang="en-US" dirty="0" smtClean="0"/>
-              <a:t>Bi-weekly meeting with </a:t>
-            </a:r>
-            <a:r>
-              <a:rPr lang="en-US" dirty="0" smtClean="0"/>
-              <a:t>researcher</a:t>
+              <a:t>Bi-weekly meeting with researcher</a:t>
             </a:r>
           </a:p>
           <a:p>
@@ -6529,11 +6335,7 @@
             </a:br>
             <a:r>
               <a:rPr lang="en-US" dirty="0" smtClean="0"/>
-              <a:t>Type </a:t>
-            </a:r>
-            <a:r>
-              <a:rPr lang="en-US" dirty="0" smtClean="0"/>
-              <a:t>system -&gt; Hoare logic</a:t>
+              <a:t>Type system -&gt; Hoare logic</a:t>
             </a:r>
           </a:p>
           <a:p>
